--- a/Apresentacao.pptx
+++ b/Apresentacao.pptx
@@ -21313,7 +21313,7 @@
           <a:p>
             <a:fld id="{2628DE58-6B27-487D-A370-092A65FAF62A}" type="datetimeFigureOut">
               <a:rPr lang="pt-PT" smtClean="0"/>
-              <a:t>11/04/2022</a:t>
+              <a:t>13/04/2022</a:t>
             </a:fld>
             <a:endParaRPr lang="pt-PT" dirty="0"/>
           </a:p>
@@ -21513,7 +21513,7 @@
           <a:p>
             <a:fld id="{2628DE58-6B27-487D-A370-092A65FAF62A}" type="datetimeFigureOut">
               <a:rPr lang="pt-PT" smtClean="0"/>
-              <a:t>11/04/2022</a:t>
+              <a:t>13/04/2022</a:t>
             </a:fld>
             <a:endParaRPr lang="pt-PT" dirty="0"/>
           </a:p>
@@ -21723,7 +21723,7 @@
           <a:p>
             <a:fld id="{2628DE58-6B27-487D-A370-092A65FAF62A}" type="datetimeFigureOut">
               <a:rPr lang="pt-PT" smtClean="0"/>
-              <a:t>11/04/2022</a:t>
+              <a:t>13/04/2022</a:t>
             </a:fld>
             <a:endParaRPr lang="pt-PT" dirty="0"/>
           </a:p>
@@ -21923,7 +21923,7 @@
           <a:p>
             <a:fld id="{2628DE58-6B27-487D-A370-092A65FAF62A}" type="datetimeFigureOut">
               <a:rPr lang="pt-PT" smtClean="0"/>
-              <a:t>11/04/2022</a:t>
+              <a:t>13/04/2022</a:t>
             </a:fld>
             <a:endParaRPr lang="pt-PT" dirty="0"/>
           </a:p>
@@ -22199,7 +22199,7 @@
           <a:p>
             <a:fld id="{2628DE58-6B27-487D-A370-092A65FAF62A}" type="datetimeFigureOut">
               <a:rPr lang="pt-PT" smtClean="0"/>
-              <a:t>11/04/2022</a:t>
+              <a:t>13/04/2022</a:t>
             </a:fld>
             <a:endParaRPr lang="pt-PT" dirty="0"/>
           </a:p>
@@ -22467,7 +22467,7 @@
           <a:p>
             <a:fld id="{2628DE58-6B27-487D-A370-092A65FAF62A}" type="datetimeFigureOut">
               <a:rPr lang="pt-PT" smtClean="0"/>
-              <a:t>11/04/2022</a:t>
+              <a:t>13/04/2022</a:t>
             </a:fld>
             <a:endParaRPr lang="pt-PT" dirty="0"/>
           </a:p>
@@ -22882,7 +22882,7 @@
           <a:p>
             <a:fld id="{2628DE58-6B27-487D-A370-092A65FAF62A}" type="datetimeFigureOut">
               <a:rPr lang="pt-PT" smtClean="0"/>
-              <a:t>11/04/2022</a:t>
+              <a:t>13/04/2022</a:t>
             </a:fld>
             <a:endParaRPr lang="pt-PT" dirty="0"/>
           </a:p>
@@ -23024,7 +23024,7 @@
           <a:p>
             <a:fld id="{2628DE58-6B27-487D-A370-092A65FAF62A}" type="datetimeFigureOut">
               <a:rPr lang="pt-PT" smtClean="0"/>
-              <a:t>11/04/2022</a:t>
+              <a:t>13/04/2022</a:t>
             </a:fld>
             <a:endParaRPr lang="pt-PT" dirty="0"/>
           </a:p>
@@ -23137,7 +23137,7 @@
           <a:p>
             <a:fld id="{2628DE58-6B27-487D-A370-092A65FAF62A}" type="datetimeFigureOut">
               <a:rPr lang="pt-PT" smtClean="0"/>
-              <a:t>11/04/2022</a:t>
+              <a:t>13/04/2022</a:t>
             </a:fld>
             <a:endParaRPr lang="pt-PT" dirty="0"/>
           </a:p>
@@ -23450,7 +23450,7 @@
           <a:p>
             <a:fld id="{2628DE58-6B27-487D-A370-092A65FAF62A}" type="datetimeFigureOut">
               <a:rPr lang="pt-PT" smtClean="0"/>
-              <a:t>11/04/2022</a:t>
+              <a:t>13/04/2022</a:t>
             </a:fld>
             <a:endParaRPr lang="pt-PT" dirty="0"/>
           </a:p>
@@ -23739,7 +23739,7 @@
           <a:p>
             <a:fld id="{2628DE58-6B27-487D-A370-092A65FAF62A}" type="datetimeFigureOut">
               <a:rPr lang="pt-PT" smtClean="0"/>
-              <a:t>11/04/2022</a:t>
+              <a:t>13/04/2022</a:t>
             </a:fld>
             <a:endParaRPr lang="pt-PT" dirty="0"/>
           </a:p>
@@ -23982,7 +23982,7 @@
           <a:p>
             <a:fld id="{2628DE58-6B27-487D-A370-092A65FAF62A}" type="datetimeFigureOut">
               <a:rPr lang="pt-PT" smtClean="0"/>
-              <a:t>11/04/2022</a:t>
+              <a:t>13/04/2022</a:t>
             </a:fld>
             <a:endParaRPr lang="pt-PT" dirty="0"/>
           </a:p>

--- a/Apresentacao.pptx
+++ b/Apresentacao.pptx
@@ -21313,7 +21313,7 @@
           <a:p>
             <a:fld id="{2628DE58-6B27-487D-A370-092A65FAF62A}" type="datetimeFigureOut">
               <a:rPr lang="pt-PT" smtClean="0"/>
-              <a:t>13/04/2022</a:t>
+              <a:t>19/04/22</a:t>
             </a:fld>
             <a:endParaRPr lang="pt-PT" dirty="0"/>
           </a:p>
@@ -21513,7 +21513,7 @@
           <a:p>
             <a:fld id="{2628DE58-6B27-487D-A370-092A65FAF62A}" type="datetimeFigureOut">
               <a:rPr lang="pt-PT" smtClean="0"/>
-              <a:t>13/04/2022</a:t>
+              <a:t>19/04/22</a:t>
             </a:fld>
             <a:endParaRPr lang="pt-PT" dirty="0"/>
           </a:p>
@@ -21723,7 +21723,7 @@
           <a:p>
             <a:fld id="{2628DE58-6B27-487D-A370-092A65FAF62A}" type="datetimeFigureOut">
               <a:rPr lang="pt-PT" smtClean="0"/>
-              <a:t>13/04/2022</a:t>
+              <a:t>19/04/22</a:t>
             </a:fld>
             <a:endParaRPr lang="pt-PT" dirty="0"/>
           </a:p>
@@ -21923,7 +21923,7 @@
           <a:p>
             <a:fld id="{2628DE58-6B27-487D-A370-092A65FAF62A}" type="datetimeFigureOut">
               <a:rPr lang="pt-PT" smtClean="0"/>
-              <a:t>13/04/2022</a:t>
+              <a:t>19/04/22</a:t>
             </a:fld>
             <a:endParaRPr lang="pt-PT" dirty="0"/>
           </a:p>
@@ -22199,7 +22199,7 @@
           <a:p>
             <a:fld id="{2628DE58-6B27-487D-A370-092A65FAF62A}" type="datetimeFigureOut">
               <a:rPr lang="pt-PT" smtClean="0"/>
-              <a:t>13/04/2022</a:t>
+              <a:t>19/04/22</a:t>
             </a:fld>
             <a:endParaRPr lang="pt-PT" dirty="0"/>
           </a:p>
@@ -22467,7 +22467,7 @@
           <a:p>
             <a:fld id="{2628DE58-6B27-487D-A370-092A65FAF62A}" type="datetimeFigureOut">
               <a:rPr lang="pt-PT" smtClean="0"/>
-              <a:t>13/04/2022</a:t>
+              <a:t>19/04/22</a:t>
             </a:fld>
             <a:endParaRPr lang="pt-PT" dirty="0"/>
           </a:p>
@@ -22882,7 +22882,7 @@
           <a:p>
             <a:fld id="{2628DE58-6B27-487D-A370-092A65FAF62A}" type="datetimeFigureOut">
               <a:rPr lang="pt-PT" smtClean="0"/>
-              <a:t>13/04/2022</a:t>
+              <a:t>19/04/22</a:t>
             </a:fld>
             <a:endParaRPr lang="pt-PT" dirty="0"/>
           </a:p>
@@ -23024,7 +23024,7 @@
           <a:p>
             <a:fld id="{2628DE58-6B27-487D-A370-092A65FAF62A}" type="datetimeFigureOut">
               <a:rPr lang="pt-PT" smtClean="0"/>
-              <a:t>13/04/2022</a:t>
+              <a:t>19/04/22</a:t>
             </a:fld>
             <a:endParaRPr lang="pt-PT" dirty="0"/>
           </a:p>
@@ -23137,7 +23137,7 @@
           <a:p>
             <a:fld id="{2628DE58-6B27-487D-A370-092A65FAF62A}" type="datetimeFigureOut">
               <a:rPr lang="pt-PT" smtClean="0"/>
-              <a:t>13/04/2022</a:t>
+              <a:t>19/04/22</a:t>
             </a:fld>
             <a:endParaRPr lang="pt-PT" dirty="0"/>
           </a:p>
@@ -23450,7 +23450,7 @@
           <a:p>
             <a:fld id="{2628DE58-6B27-487D-A370-092A65FAF62A}" type="datetimeFigureOut">
               <a:rPr lang="pt-PT" smtClean="0"/>
-              <a:t>13/04/2022</a:t>
+              <a:t>19/04/22</a:t>
             </a:fld>
             <a:endParaRPr lang="pt-PT" dirty="0"/>
           </a:p>
@@ -23739,7 +23739,7 @@
           <a:p>
             <a:fld id="{2628DE58-6B27-487D-A370-092A65FAF62A}" type="datetimeFigureOut">
               <a:rPr lang="pt-PT" smtClean="0"/>
-              <a:t>13/04/2022</a:t>
+              <a:t>19/04/22</a:t>
             </a:fld>
             <a:endParaRPr lang="pt-PT" dirty="0"/>
           </a:p>
@@ -23982,7 +23982,7 @@
           <a:p>
             <a:fld id="{2628DE58-6B27-487D-A370-092A65FAF62A}" type="datetimeFigureOut">
               <a:rPr lang="pt-PT" smtClean="0"/>
-              <a:t>13/04/2022</a:t>
+              <a:t>19/04/22</a:t>
             </a:fld>
             <a:endParaRPr lang="pt-PT" dirty="0"/>
           </a:p>
@@ -24740,31 +24740,77 @@
           </a:p>
         </p:txBody>
       </p:sp>
-      <p:sp>
-        <p:nvSpPr>
-          <p:cNvPr id="3" name="Content Placeholder 2">
+      <p:pic>
+        <p:nvPicPr>
+          <p:cNvPr id="5" name="Content Placeholder 4">
             <a:extLst>
               <a:ext uri="{FF2B5EF4-FFF2-40B4-BE49-F238E27FC236}">
-                <a16:creationId xmlns:a16="http://schemas.microsoft.com/office/drawing/2014/main" id="{2BFA62F2-A074-4C07-ABCA-4B2A32FC65EB}"/>
+                <a16:creationId xmlns:a16="http://schemas.microsoft.com/office/drawing/2014/main" id="{EFE0E0E8-DBE4-6623-8F45-07387AAB34FD}"/>
               </a:ext>
             </a:extLst>
           </p:cNvPr>
-          <p:cNvSpPr>
-            <a:spLocks noGrp="1"/>
-          </p:cNvSpPr>
+          <p:cNvPicPr>
+            <a:picLocks noGrp="1" noChangeAspect="1"/>
+          </p:cNvPicPr>
           <p:nvPr>
             <p:ph idx="1"/>
           </p:nvPr>
-        </p:nvSpPr>
-        <p:spPr/>
-        <p:txBody>
-          <a:bodyPr/>
-          <a:lstStyle/>
-          <a:p>
-            <a:endParaRPr lang="pt-PT"/>
-          </a:p>
-        </p:txBody>
-      </p:sp>
+        </p:nvPicPr>
+        <p:blipFill>
+          <a:blip r:embed="rId2">
+            <a:extLst>
+              <a:ext uri="{28A0092B-C50C-407E-A947-70E740481C1C}">
+                <a14:useLocalDpi xmlns:a14="http://schemas.microsoft.com/office/drawing/2010/main" val="0"/>
+              </a:ext>
+            </a:extLst>
+          </a:blip>
+          <a:stretch>
+            <a:fillRect/>
+          </a:stretch>
+        </p:blipFill>
+        <p:spPr>
+          <a:xfrm>
+            <a:off x="1746250" y="2102644"/>
+            <a:ext cx="8699500" cy="3797300"/>
+          </a:xfrm>
+        </p:spPr>
+      </p:pic>
+      <p:pic>
+        <p:nvPicPr>
+          <p:cNvPr id="7" name="Picture 6">
+            <a:extLst>
+              <a:ext uri="{FF2B5EF4-FFF2-40B4-BE49-F238E27FC236}">
+                <a16:creationId xmlns:a16="http://schemas.microsoft.com/office/drawing/2014/main" id="{47B8C0BE-7399-0782-4E5D-2572BA5FB2BB}"/>
+              </a:ext>
+            </a:extLst>
+          </p:cNvPr>
+          <p:cNvPicPr>
+            <a:picLocks noChangeAspect="1"/>
+          </p:cNvPicPr>
+          <p:nvPr/>
+        </p:nvPicPr>
+        <p:blipFill>
+          <a:blip r:embed="rId3">
+            <a:extLst>
+              <a:ext uri="{28A0092B-C50C-407E-A947-70E740481C1C}">
+                <a14:useLocalDpi xmlns:a14="http://schemas.microsoft.com/office/drawing/2010/main" val="0"/>
+              </a:ext>
+            </a:extLst>
+          </a:blip>
+          <a:stretch>
+            <a:fillRect/>
+          </a:stretch>
+        </p:blipFill>
+        <p:spPr>
+          <a:xfrm>
+            <a:off x="1714500" y="1168400"/>
+            <a:ext cx="8763000" cy="4521200"/>
+          </a:xfrm>
+          <a:prstGeom prst="rect">
+            <a:avLst/>
+          </a:prstGeom>
+        </p:spPr>
+      </p:pic>
     </p:spTree>
     <p:extLst>
       <p:ext uri="{BB962C8B-B14F-4D97-AF65-F5344CB8AC3E}">
@@ -25229,7 +25275,27 @@
           <a:bodyPr/>
           <a:lstStyle/>
           <a:p>
-            <a:endParaRPr lang="pt-PT"/>
+            <a:r>
+              <a:rPr lang="pt-PT" dirty="0" err="1"/>
+              <a:t>Very</a:t>
+            </a:r>
+            <a:r>
+              <a:rPr lang="pt-PT" dirty="0"/>
+              <a:t> fast, </a:t>
+            </a:r>
+            <a:r>
+              <a:rPr lang="pt-PT" dirty="0" err="1"/>
+              <a:t>very</a:t>
+            </a:r>
+            <a:r>
+              <a:rPr lang="pt-PT" dirty="0"/>
+              <a:t> </a:t>
+            </a:r>
+            <a:r>
+              <a:rPr lang="pt-PT" dirty="0" err="1"/>
+              <a:t>good</a:t>
+            </a:r>
+            <a:endParaRPr lang="pt-PT" dirty="0"/>
           </a:p>
         </p:txBody>
       </p:sp>
@@ -27978,31 +28044,77 @@
           </a:p>
         </p:txBody>
       </p:sp>
-      <p:sp>
-        <p:nvSpPr>
-          <p:cNvPr id="3" name="Content Placeholder 2">
+      <p:pic>
+        <p:nvPicPr>
+          <p:cNvPr id="5" name="Content Placeholder 4">
             <a:extLst>
               <a:ext uri="{FF2B5EF4-FFF2-40B4-BE49-F238E27FC236}">
-                <a16:creationId xmlns:a16="http://schemas.microsoft.com/office/drawing/2014/main" id="{2BFA62F2-A074-4C07-ABCA-4B2A32FC65EB}"/>
+                <a16:creationId xmlns:a16="http://schemas.microsoft.com/office/drawing/2014/main" id="{4B6D904D-8ECC-14D7-F29F-545E8B579DBB}"/>
               </a:ext>
             </a:extLst>
           </p:cNvPr>
-          <p:cNvSpPr>
-            <a:spLocks noGrp="1"/>
-          </p:cNvSpPr>
+          <p:cNvPicPr>
+            <a:picLocks noGrp="1" noChangeAspect="1"/>
+          </p:cNvPicPr>
           <p:nvPr>
             <p:ph idx="1"/>
           </p:nvPr>
-        </p:nvSpPr>
-        <p:spPr/>
-        <p:txBody>
-          <a:bodyPr/>
-          <a:lstStyle/>
-          <a:p>
-            <a:endParaRPr lang="pt-PT"/>
-          </a:p>
-        </p:txBody>
-      </p:sp>
+        </p:nvPicPr>
+        <p:blipFill>
+          <a:blip r:embed="rId2">
+            <a:extLst>
+              <a:ext uri="{28A0092B-C50C-407E-A947-70E740481C1C}">
+                <a14:useLocalDpi xmlns:a14="http://schemas.microsoft.com/office/drawing/2010/main" val="0"/>
+              </a:ext>
+            </a:extLst>
+          </a:blip>
+          <a:stretch>
+            <a:fillRect/>
+          </a:stretch>
+        </p:blipFill>
+        <p:spPr>
+          <a:xfrm>
+            <a:off x="838200" y="3429000"/>
+            <a:ext cx="10515600" cy="2984947"/>
+          </a:xfrm>
+        </p:spPr>
+      </p:pic>
+      <p:pic>
+        <p:nvPicPr>
+          <p:cNvPr id="7" name="Picture 6">
+            <a:extLst>
+              <a:ext uri="{FF2B5EF4-FFF2-40B4-BE49-F238E27FC236}">
+                <a16:creationId xmlns:a16="http://schemas.microsoft.com/office/drawing/2014/main" id="{C3E683AC-7205-A6D2-58CF-B31454CB7DF3}"/>
+              </a:ext>
+            </a:extLst>
+          </p:cNvPr>
+          <p:cNvPicPr>
+            <a:picLocks noChangeAspect="1"/>
+          </p:cNvPicPr>
+          <p:nvPr/>
+        </p:nvPicPr>
+        <p:blipFill>
+          <a:blip r:embed="rId3">
+            <a:extLst>
+              <a:ext uri="{28A0092B-C50C-407E-A947-70E740481C1C}">
+                <a14:useLocalDpi xmlns:a14="http://schemas.microsoft.com/office/drawing/2010/main" val="0"/>
+              </a:ext>
+            </a:extLst>
+          </a:blip>
+          <a:stretch>
+            <a:fillRect/>
+          </a:stretch>
+        </p:blipFill>
+        <p:spPr>
+          <a:xfrm>
+            <a:off x="303508" y="1466325"/>
+            <a:ext cx="10515638" cy="3398406"/>
+          </a:xfrm>
+          <a:prstGeom prst="rect">
+            <a:avLst/>
+          </a:prstGeom>
+        </p:spPr>
+      </p:pic>
     </p:spTree>
     <p:extLst>
       <p:ext uri="{BB962C8B-B14F-4D97-AF65-F5344CB8AC3E}">

--- a/Apresentacao.pptx
+++ b/Apresentacao.pptx
@@ -21313,7 +21313,7 @@
           <a:p>
             <a:fld id="{2628DE58-6B27-487D-A370-092A65FAF62A}" type="datetimeFigureOut">
               <a:rPr lang="pt-PT" smtClean="0"/>
-              <a:t>19/04/22</a:t>
+              <a:t>21/04/2022</a:t>
             </a:fld>
             <a:endParaRPr lang="pt-PT" dirty="0"/>
           </a:p>
@@ -21513,7 +21513,7 @@
           <a:p>
             <a:fld id="{2628DE58-6B27-487D-A370-092A65FAF62A}" type="datetimeFigureOut">
               <a:rPr lang="pt-PT" smtClean="0"/>
-              <a:t>19/04/22</a:t>
+              <a:t>21/04/2022</a:t>
             </a:fld>
             <a:endParaRPr lang="pt-PT" dirty="0"/>
           </a:p>
@@ -21723,7 +21723,7 @@
           <a:p>
             <a:fld id="{2628DE58-6B27-487D-A370-092A65FAF62A}" type="datetimeFigureOut">
               <a:rPr lang="pt-PT" smtClean="0"/>
-              <a:t>19/04/22</a:t>
+              <a:t>21/04/2022</a:t>
             </a:fld>
             <a:endParaRPr lang="pt-PT" dirty="0"/>
           </a:p>
@@ -21923,7 +21923,7 @@
           <a:p>
             <a:fld id="{2628DE58-6B27-487D-A370-092A65FAF62A}" type="datetimeFigureOut">
               <a:rPr lang="pt-PT" smtClean="0"/>
-              <a:t>19/04/22</a:t>
+              <a:t>21/04/2022</a:t>
             </a:fld>
             <a:endParaRPr lang="pt-PT" dirty="0"/>
           </a:p>
@@ -22199,7 +22199,7 @@
           <a:p>
             <a:fld id="{2628DE58-6B27-487D-A370-092A65FAF62A}" type="datetimeFigureOut">
               <a:rPr lang="pt-PT" smtClean="0"/>
-              <a:t>19/04/22</a:t>
+              <a:t>21/04/2022</a:t>
             </a:fld>
             <a:endParaRPr lang="pt-PT" dirty="0"/>
           </a:p>
@@ -22467,7 +22467,7 @@
           <a:p>
             <a:fld id="{2628DE58-6B27-487D-A370-092A65FAF62A}" type="datetimeFigureOut">
               <a:rPr lang="pt-PT" smtClean="0"/>
-              <a:t>19/04/22</a:t>
+              <a:t>21/04/2022</a:t>
             </a:fld>
             <a:endParaRPr lang="pt-PT" dirty="0"/>
           </a:p>
@@ -22882,7 +22882,7 @@
           <a:p>
             <a:fld id="{2628DE58-6B27-487D-A370-092A65FAF62A}" type="datetimeFigureOut">
               <a:rPr lang="pt-PT" smtClean="0"/>
-              <a:t>19/04/22</a:t>
+              <a:t>21/04/2022</a:t>
             </a:fld>
             <a:endParaRPr lang="pt-PT" dirty="0"/>
           </a:p>
@@ -23024,7 +23024,7 @@
           <a:p>
             <a:fld id="{2628DE58-6B27-487D-A370-092A65FAF62A}" type="datetimeFigureOut">
               <a:rPr lang="pt-PT" smtClean="0"/>
-              <a:t>19/04/22</a:t>
+              <a:t>21/04/2022</a:t>
             </a:fld>
             <a:endParaRPr lang="pt-PT" dirty="0"/>
           </a:p>
@@ -23137,7 +23137,7 @@
           <a:p>
             <a:fld id="{2628DE58-6B27-487D-A370-092A65FAF62A}" type="datetimeFigureOut">
               <a:rPr lang="pt-PT" smtClean="0"/>
-              <a:t>19/04/22</a:t>
+              <a:t>21/04/2022</a:t>
             </a:fld>
             <a:endParaRPr lang="pt-PT" dirty="0"/>
           </a:p>
@@ -23450,7 +23450,7 @@
           <a:p>
             <a:fld id="{2628DE58-6B27-487D-A370-092A65FAF62A}" type="datetimeFigureOut">
               <a:rPr lang="pt-PT" smtClean="0"/>
-              <a:t>19/04/22</a:t>
+              <a:t>21/04/2022</a:t>
             </a:fld>
             <a:endParaRPr lang="pt-PT" dirty="0"/>
           </a:p>
@@ -23739,7 +23739,7 @@
           <a:p>
             <a:fld id="{2628DE58-6B27-487D-A370-092A65FAF62A}" type="datetimeFigureOut">
               <a:rPr lang="pt-PT" smtClean="0"/>
-              <a:t>19/04/22</a:t>
+              <a:t>21/04/2022</a:t>
             </a:fld>
             <a:endParaRPr lang="pt-PT" dirty="0"/>
           </a:p>
@@ -23982,7 +23982,7 @@
           <a:p>
             <a:fld id="{2628DE58-6B27-487D-A370-092A65FAF62A}" type="datetimeFigureOut">
               <a:rPr lang="pt-PT" smtClean="0"/>
-              <a:t>19/04/22</a:t>
+              <a:t>21/04/2022</a:t>
             </a:fld>
             <a:endParaRPr lang="pt-PT" dirty="0"/>
           </a:p>
@@ -24698,6 +24698,14 @@
 <file path=ppt/slides/slide10.xml><?xml version="1.0" encoding="utf-8"?>
 <p:sld xmlns:a="http://schemas.openxmlformats.org/drawingml/2006/main" xmlns:r="http://schemas.openxmlformats.org/officeDocument/2006/relationships" xmlns:p="http://schemas.openxmlformats.org/presentationml/2006/main">
   <p:cSld>
+    <p:bg>
+      <p:bgPr>
+        <a:solidFill>
+          <a:schemeClr val="bg1"/>
+        </a:solidFill>
+        <a:effectLst/>
+      </p:bgPr>
+    </p:bg>
     <p:spTree>
       <p:nvGrpSpPr>
         <p:cNvPr id="1" name=""/>
@@ -24728,21 +24736,275 @@
             <p:ph type="title"/>
           </p:nvPr>
         </p:nvSpPr>
-        <p:spPr/>
+        <p:spPr>
+          <a:xfrm>
+            <a:off x="990600" y="338328"/>
+            <a:ext cx="10210800" cy="1078992"/>
+          </a:xfrm>
+        </p:spPr>
         <p:txBody>
-          <a:bodyPr/>
+          <a:bodyPr vert="horz" lIns="91440" tIns="45720" rIns="91440" bIns="45720" rtlCol="0" anchor="b">
+            <a:normAutofit/>
+          </a:bodyPr>
           <a:lstStyle/>
           <a:p>
+            <a:pPr algn="ctr"/>
             <a:r>
-              <a:rPr lang="pt-PT" dirty="0"/>
+              <a:rPr lang="en-US" sz="5400"/>
               <a:t>Cenário 2: Avaliação empírica</a:t>
             </a:r>
           </a:p>
         </p:txBody>
       </p:sp>
+      <p:sp>
+        <p:nvSpPr>
+          <p:cNvPr id="17" name="Rectangle 16">
+            <a:extLst>
+              <a:ext uri="{FF2B5EF4-FFF2-40B4-BE49-F238E27FC236}">
+                <a16:creationId xmlns:a16="http://schemas.microsoft.com/office/drawing/2014/main" id="{70BDD0CE-06A4-404B-8A13-580229C1C923}"/>
+              </a:ext>
+              <a:ext uri="{C183D7F6-B498-43B3-948B-1728B52AA6E4}">
+                <adec:decorative xmlns:adec="http://schemas.microsoft.com/office/drawing/2017/decorative" val="1"/>
+              </a:ext>
+            </a:extLst>
+          </p:cNvPr>
+          <p:cNvSpPr>
+            <a:spLocks noGrp="1" noRot="1" noChangeAspect="1" noMove="1" noResize="1" noEditPoints="1" noAdjustHandles="1" noChangeArrowheads="1" noChangeShapeType="1" noTextEdit="1"/>
+          </p:cNvSpPr>
+          <p:nvPr>
+            <p:extLst>
+              <p:ext uri="{386F3935-93C4-4BCD-93E2-E3B085C9AB24}">
+                <p16:designElem xmlns:p16="http://schemas.microsoft.com/office/powerpoint/2015/main" val="1"/>
+              </p:ext>
+            </p:extLst>
+          </p:nvPr>
+        </p:nvSpPr>
+        <p:spPr>
+          <a:xfrm>
+            <a:off x="0" y="2141750"/>
+            <a:ext cx="12192000" cy="4716250"/>
+          </a:xfrm>
+          <a:prstGeom prst="rect">
+            <a:avLst/>
+          </a:prstGeom>
+          <a:solidFill>
+            <a:srgbClr val="C8CACA"/>
+          </a:solidFill>
+          <a:ln>
+            <a:noFill/>
+          </a:ln>
+        </p:spPr>
+        <p:style>
+          <a:lnRef idx="2">
+            <a:schemeClr val="accent1">
+              <a:shade val="50000"/>
+            </a:schemeClr>
+          </a:lnRef>
+          <a:fillRef idx="1">
+            <a:schemeClr val="accent1"/>
+          </a:fillRef>
+          <a:effectRef idx="0">
+            <a:schemeClr val="accent1"/>
+          </a:effectRef>
+          <a:fontRef idx="minor">
+            <a:schemeClr val="lt1"/>
+          </a:fontRef>
+        </p:style>
+        <p:txBody>
+          <a:bodyPr rtlCol="0" anchor="ctr"/>
+          <a:lstStyle/>
+          <a:p>
+            <a:pPr algn="ctr"/>
+            <a:endParaRPr lang="en-US"/>
+          </a:p>
+        </p:txBody>
+      </p:sp>
+      <p:sp>
+        <p:nvSpPr>
+          <p:cNvPr id="19" name="Rounded Rectangle 26">
+            <a:extLst>
+              <a:ext uri="{FF2B5EF4-FFF2-40B4-BE49-F238E27FC236}">
+                <a16:creationId xmlns:a16="http://schemas.microsoft.com/office/drawing/2014/main" id="{EE9899FA-8881-472C-AA59-D08A89CA8AEF}"/>
+              </a:ext>
+              <a:ext uri="{C183D7F6-B498-43B3-948B-1728B52AA6E4}">
+                <adec:decorative xmlns:adec="http://schemas.microsoft.com/office/drawing/2017/decorative" val="1"/>
+              </a:ext>
+            </a:extLst>
+          </p:cNvPr>
+          <p:cNvSpPr>
+            <a:spLocks noGrp="1" noRot="1" noChangeAspect="1" noMove="1" noResize="1" noEditPoints="1" noAdjustHandles="1" noChangeArrowheads="1" noChangeShapeType="1" noTextEdit="1"/>
+          </p:cNvSpPr>
+          <p:nvPr>
+            <p:extLst>
+              <p:ext uri="{386F3935-93C4-4BCD-93E2-E3B085C9AB24}">
+                <p16:designElem xmlns:p16="http://schemas.microsoft.com/office/powerpoint/2015/main" val="1"/>
+              </p:ext>
+            </p:extLst>
+          </p:nvPr>
+        </p:nvSpPr>
+        <p:spPr>
+          <a:xfrm>
+            <a:off x="321564" y="2423160"/>
+            <a:ext cx="5613569" cy="3930315"/>
+          </a:xfrm>
+          <a:prstGeom prst="roundRect">
+            <a:avLst>
+              <a:gd name="adj" fmla="val 0"/>
+            </a:avLst>
+          </a:prstGeom>
+          <a:solidFill>
+            <a:srgbClr val="FFFFFF"/>
+          </a:solidFill>
+          <a:ln w="9525">
+            <a:solidFill>
+              <a:srgbClr val="C8CACA"/>
+            </a:solidFill>
+          </a:ln>
+          <a:effectLst>
+            <a:outerShdw blurRad="57150" dist="19050" dir="5400000" algn="t" rotWithShape="0">
+              <a:prstClr val="black">
+                <a:alpha val="63000"/>
+              </a:prstClr>
+            </a:outerShdw>
+          </a:effectLst>
+        </p:spPr>
+        <p:style>
+          <a:lnRef idx="2">
+            <a:schemeClr val="accent1">
+              <a:shade val="50000"/>
+            </a:schemeClr>
+          </a:lnRef>
+          <a:fillRef idx="1">
+            <a:schemeClr val="accent1"/>
+          </a:fillRef>
+          <a:effectRef idx="0">
+            <a:schemeClr val="accent1"/>
+          </a:effectRef>
+          <a:fontRef idx="minor">
+            <a:schemeClr val="lt1"/>
+          </a:fontRef>
+        </p:style>
+        <p:txBody>
+          <a:bodyPr rtlCol="0" anchor="ctr"/>
+          <a:lstStyle/>
+          <a:p>
+            <a:pPr algn="ctr"/>
+            <a:endParaRPr lang="en-US"/>
+          </a:p>
+        </p:txBody>
+      </p:sp>
       <p:pic>
         <p:nvPicPr>
-          <p:cNvPr id="5" name="Content Placeholder 4">
+          <p:cNvPr id="7" name="Picture 6" descr="Chart, line chart&#10;&#10;Description automatically generated">
+            <a:extLst>
+              <a:ext uri="{FF2B5EF4-FFF2-40B4-BE49-F238E27FC236}">
+                <a16:creationId xmlns:a16="http://schemas.microsoft.com/office/drawing/2014/main" id="{47B8C0BE-7399-0782-4E5D-2572BA5FB2BB}"/>
+              </a:ext>
+            </a:extLst>
+          </p:cNvPr>
+          <p:cNvPicPr>
+            <a:picLocks noChangeAspect="1"/>
+          </p:cNvPicPr>
+          <p:nvPr/>
+        </p:nvPicPr>
+        <p:blipFill rotWithShape="1">
+          <a:blip r:embed="rId2">
+            <a:extLst>
+              <a:ext uri="{28A0092B-C50C-407E-A947-70E740481C1C}">
+                <a14:useLocalDpi xmlns:a14="http://schemas.microsoft.com/office/drawing/2010/main" val="0"/>
+              </a:ext>
+            </a:extLst>
+          </a:blip>
+          <a:srcRect r="1340"/>
+          <a:stretch/>
+        </p:blipFill>
+        <p:spPr>
+          <a:xfrm>
+            <a:off x="321564" y="2423159"/>
+            <a:ext cx="5605436" cy="3930315"/>
+          </a:xfrm>
+          <a:prstGeom prst="rect">
+            <a:avLst/>
+          </a:prstGeom>
+        </p:spPr>
+      </p:pic>
+      <p:sp>
+        <p:nvSpPr>
+          <p:cNvPr id="21" name="Rounded Rectangle 16">
+            <a:extLst>
+              <a:ext uri="{FF2B5EF4-FFF2-40B4-BE49-F238E27FC236}">
+                <a16:creationId xmlns:a16="http://schemas.microsoft.com/office/drawing/2014/main" id="{080B7D90-3DF1-4514-B26D-616BE35553C9}"/>
+              </a:ext>
+              <a:ext uri="{C183D7F6-B498-43B3-948B-1728B52AA6E4}">
+                <adec:decorative xmlns:adec="http://schemas.microsoft.com/office/drawing/2017/decorative" val="1"/>
+              </a:ext>
+            </a:extLst>
+          </p:cNvPr>
+          <p:cNvSpPr>
+            <a:spLocks noGrp="1" noRot="1" noChangeAspect="1" noMove="1" noResize="1" noEditPoints="1" noAdjustHandles="1" noChangeArrowheads="1" noChangeShapeType="1" noTextEdit="1"/>
+          </p:cNvSpPr>
+          <p:nvPr>
+            <p:extLst>
+              <p:ext uri="{386F3935-93C4-4BCD-93E2-E3B085C9AB24}">
+                <p16:designElem xmlns:p16="http://schemas.microsoft.com/office/powerpoint/2015/main" val="1"/>
+              </p:ext>
+            </p:extLst>
+          </p:nvPr>
+        </p:nvSpPr>
+        <p:spPr>
+          <a:xfrm>
+            <a:off x="6254749" y="2423160"/>
+            <a:ext cx="5613569" cy="3930315"/>
+          </a:xfrm>
+          <a:prstGeom prst="roundRect">
+            <a:avLst>
+              <a:gd name="adj" fmla="val 0"/>
+            </a:avLst>
+          </a:prstGeom>
+          <a:solidFill>
+            <a:srgbClr val="FFFFFF"/>
+          </a:solidFill>
+          <a:ln w="9525">
+            <a:solidFill>
+              <a:srgbClr val="C8CACA"/>
+            </a:solidFill>
+          </a:ln>
+          <a:effectLst>
+            <a:outerShdw blurRad="57150" dist="19050" dir="5400000" algn="t" rotWithShape="0">
+              <a:prstClr val="black">
+                <a:alpha val="63000"/>
+              </a:prstClr>
+            </a:outerShdw>
+          </a:effectLst>
+        </p:spPr>
+        <p:style>
+          <a:lnRef idx="2">
+            <a:schemeClr val="accent1">
+              <a:shade val="50000"/>
+            </a:schemeClr>
+          </a:lnRef>
+          <a:fillRef idx="1">
+            <a:schemeClr val="accent1"/>
+          </a:fillRef>
+          <a:effectRef idx="0">
+            <a:schemeClr val="accent1"/>
+          </a:effectRef>
+          <a:fontRef idx="minor">
+            <a:schemeClr val="lt1"/>
+          </a:fontRef>
+        </p:style>
+        <p:txBody>
+          <a:bodyPr rtlCol="0" anchor="ctr"/>
+          <a:lstStyle/>
+          <a:p>
+            <a:pPr algn="ctr"/>
+            <a:endParaRPr lang="en-US"/>
+          </a:p>
+        </p:txBody>
+      </p:sp>
+      <p:pic>
+        <p:nvPicPr>
+          <p:cNvPr id="5" name="Content Placeholder 4" descr="Chart&#10;&#10;Description automatically generated">
             <a:extLst>
               <a:ext uri="{FF2B5EF4-FFF2-40B4-BE49-F238E27FC236}">
                 <a16:creationId xmlns:a16="http://schemas.microsoft.com/office/drawing/2014/main" id="{EFE0E0E8-DBE4-6623-8F45-07387AAB34FD}"/>
@@ -24756,40 +25018,7 @@
             <p:ph idx="1"/>
           </p:nvPr>
         </p:nvPicPr>
-        <p:blipFill>
-          <a:blip r:embed="rId2">
-            <a:extLst>
-              <a:ext uri="{28A0092B-C50C-407E-A947-70E740481C1C}">
-                <a14:useLocalDpi xmlns:a14="http://schemas.microsoft.com/office/drawing/2010/main" val="0"/>
-              </a:ext>
-            </a:extLst>
-          </a:blip>
-          <a:stretch>
-            <a:fillRect/>
-          </a:stretch>
-        </p:blipFill>
-        <p:spPr>
-          <a:xfrm>
-            <a:off x="1746250" y="2102644"/>
-            <a:ext cx="8699500" cy="3797300"/>
-          </a:xfrm>
-        </p:spPr>
-      </p:pic>
-      <p:pic>
-        <p:nvPicPr>
-          <p:cNvPr id="7" name="Picture 6">
-            <a:extLst>
-              <a:ext uri="{FF2B5EF4-FFF2-40B4-BE49-F238E27FC236}">
-                <a16:creationId xmlns:a16="http://schemas.microsoft.com/office/drawing/2014/main" id="{47B8C0BE-7399-0782-4E5D-2572BA5FB2BB}"/>
-              </a:ext>
-            </a:extLst>
-          </p:cNvPr>
-          <p:cNvPicPr>
-            <a:picLocks noChangeAspect="1"/>
-          </p:cNvPicPr>
-          <p:nvPr/>
-        </p:nvPicPr>
-        <p:blipFill>
+        <p:blipFill rotWithShape="1">
           <a:blip r:embed="rId3">
             <a:extLst>
               <a:ext uri="{28A0092B-C50C-407E-A947-70E740481C1C}">
@@ -24797,14 +25026,13 @@
               </a:ext>
             </a:extLst>
           </a:blip>
-          <a:stretch>
-            <a:fillRect/>
-          </a:stretch>
+          <a:srcRect t="1798"/>
+          <a:stretch/>
         </p:blipFill>
         <p:spPr>
           <a:xfrm>
-            <a:off x="1714500" y="1168400"/>
-            <a:ext cx="8763000" cy="4521200"/>
+            <a:off x="6250682" y="2423159"/>
+            <a:ext cx="5629436" cy="3930315"/>
           </a:xfrm>
           <a:prstGeom prst="rect">
             <a:avLst/>
@@ -25315,6 +25543,14 @@
 <file path=ppt/slides/slide15.xml><?xml version="1.0" encoding="utf-8"?>
 <p:sld xmlns:a="http://schemas.openxmlformats.org/drawingml/2006/main" xmlns:r="http://schemas.openxmlformats.org/officeDocument/2006/relationships" xmlns:p="http://schemas.openxmlformats.org/presentationml/2006/main">
   <p:cSld>
+    <p:bg>
+      <p:bgPr>
+        <a:solidFill>
+          <a:schemeClr val="bg1"/>
+        </a:solidFill>
+        <a:effectLst/>
+      </p:bgPr>
+    </p:bg>
     <p:spTree>
       <p:nvGrpSpPr>
         <p:cNvPr id="1" name=""/>
@@ -25329,6 +25565,200 @@
           <a:chExt cx="0" cy="0"/>
         </a:xfrm>
       </p:grpSpPr>
+      <p:sp useBgFill="1">
+        <p:nvSpPr>
+          <p:cNvPr id="8" name="Rectangle 7">
+            <a:extLst>
+              <a:ext uri="{FF2B5EF4-FFF2-40B4-BE49-F238E27FC236}">
+                <a16:creationId xmlns:a16="http://schemas.microsoft.com/office/drawing/2014/main" id="{907EF6B7-1338-4443-8C46-6A318D952DFD}"/>
+              </a:ext>
+              <a:ext uri="{C183D7F6-B498-43B3-948B-1728B52AA6E4}">
+                <adec:decorative xmlns:adec="http://schemas.microsoft.com/office/drawing/2017/decorative" val="1"/>
+              </a:ext>
+            </a:extLst>
+          </p:cNvPr>
+          <p:cNvSpPr>
+            <a:spLocks noGrp="1" noRot="1" noChangeAspect="1" noMove="1" noResize="1" noEditPoints="1" noAdjustHandles="1" noChangeArrowheads="1" noChangeShapeType="1" noTextEdit="1"/>
+          </p:cNvSpPr>
+          <p:nvPr>
+            <p:extLst>
+              <p:ext uri="{386F3935-93C4-4BCD-93E2-E3B085C9AB24}">
+                <p16:designElem xmlns:p16="http://schemas.microsoft.com/office/powerpoint/2015/main" val="1"/>
+              </p:ext>
+            </p:extLst>
+          </p:nvPr>
+        </p:nvSpPr>
+        <p:spPr>
+          <a:xfrm>
+            <a:off x="3048" y="0"/>
+            <a:ext cx="12188952" cy="6858000"/>
+          </a:xfrm>
+          <a:prstGeom prst="rect">
+            <a:avLst/>
+          </a:prstGeom>
+          <a:ln>
+            <a:noFill/>
+          </a:ln>
+        </p:spPr>
+        <p:style>
+          <a:lnRef idx="2">
+            <a:schemeClr val="accent1">
+              <a:shade val="50000"/>
+            </a:schemeClr>
+          </a:lnRef>
+          <a:fillRef idx="1">
+            <a:schemeClr val="accent1"/>
+          </a:fillRef>
+          <a:effectRef idx="0">
+            <a:schemeClr val="accent1"/>
+          </a:effectRef>
+          <a:fontRef idx="minor">
+            <a:schemeClr val="lt1"/>
+          </a:fontRef>
+        </p:style>
+        <p:txBody>
+          <a:bodyPr rtlCol="0" anchor="ctr"/>
+          <a:lstStyle/>
+          <a:p>
+            <a:pPr algn="ctr"/>
+            <a:endParaRPr lang="en-US"/>
+          </a:p>
+        </p:txBody>
+      </p:sp>
+      <p:sp>
+        <p:nvSpPr>
+          <p:cNvPr id="10" name="Freeform: Shape 9">
+            <a:extLst>
+              <a:ext uri="{FF2B5EF4-FFF2-40B4-BE49-F238E27FC236}">
+                <a16:creationId xmlns:a16="http://schemas.microsoft.com/office/drawing/2014/main" id="{DAAE4CDD-124C-4DCF-9584-B6033B545DD5}"/>
+              </a:ext>
+              <a:ext uri="{C183D7F6-B498-43B3-948B-1728B52AA6E4}">
+                <adec:decorative xmlns:adec="http://schemas.microsoft.com/office/drawing/2017/decorative" val="1"/>
+              </a:ext>
+            </a:extLst>
+          </p:cNvPr>
+          <p:cNvSpPr>
+            <a:spLocks noGrp="1" noRot="1" noChangeAspect="1" noMove="1" noResize="1" noEditPoints="1" noAdjustHandles="1" noChangeArrowheads="1" noChangeShapeType="1" noTextEdit="1"/>
+          </p:cNvSpPr>
+          <p:nvPr>
+            <p:extLst>
+              <p:ext uri="{386F3935-93C4-4BCD-93E2-E3B085C9AB24}">
+                <p16:designElem xmlns:p16="http://schemas.microsoft.com/office/powerpoint/2015/main" val="1"/>
+              </p:ext>
+            </p:extLst>
+          </p:nvPr>
+        </p:nvSpPr>
+        <p:spPr>
+          <a:xfrm>
+            <a:off x="1" y="0"/>
+            <a:ext cx="4167271" cy="6858000"/>
+          </a:xfrm>
+          <a:custGeom>
+            <a:avLst/>
+            <a:gdLst>
+              <a:gd name="connsiteX0" fmla="*/ 0 w 4167271"/>
+              <a:gd name="connsiteY0" fmla="*/ 0 h 6858000"/>
+              <a:gd name="connsiteX1" fmla="*/ 2259550 w 4167271"/>
+              <a:gd name="connsiteY1" fmla="*/ 0 h 6858000"/>
+              <a:gd name="connsiteX2" fmla="*/ 2387803 w 4167271"/>
+              <a:gd name="connsiteY2" fmla="*/ 82222 h 6858000"/>
+              <a:gd name="connsiteX3" fmla="*/ 4167271 w 4167271"/>
+              <a:gd name="connsiteY3" fmla="*/ 3429000 h 6858000"/>
+              <a:gd name="connsiteX4" fmla="*/ 2387803 w 4167271"/>
+              <a:gd name="connsiteY4" fmla="*/ 6775779 h 6858000"/>
+              <a:gd name="connsiteX5" fmla="*/ 2259550 w 4167271"/>
+              <a:gd name="connsiteY5" fmla="*/ 6858000 h 6858000"/>
+              <a:gd name="connsiteX6" fmla="*/ 0 w 4167271"/>
+              <a:gd name="connsiteY6" fmla="*/ 6858000 h 6858000"/>
+            </a:gdLst>
+            <a:ahLst/>
+            <a:cxnLst>
+              <a:cxn ang="0">
+                <a:pos x="connsiteX0" y="connsiteY0"/>
+              </a:cxn>
+              <a:cxn ang="0">
+                <a:pos x="connsiteX1" y="connsiteY1"/>
+              </a:cxn>
+              <a:cxn ang="0">
+                <a:pos x="connsiteX2" y="connsiteY2"/>
+              </a:cxn>
+              <a:cxn ang="0">
+                <a:pos x="connsiteX3" y="connsiteY3"/>
+              </a:cxn>
+              <a:cxn ang="0">
+                <a:pos x="connsiteX4" y="connsiteY4"/>
+              </a:cxn>
+              <a:cxn ang="0">
+                <a:pos x="connsiteX5" y="connsiteY5"/>
+              </a:cxn>
+              <a:cxn ang="0">
+                <a:pos x="connsiteX6" y="connsiteY6"/>
+              </a:cxn>
+            </a:cxnLst>
+            <a:rect l="l" t="t" r="r" b="b"/>
+            <a:pathLst>
+              <a:path w="4167271" h="6858000">
+                <a:moveTo>
+                  <a:pt x="0" y="0"/>
+                </a:moveTo>
+                <a:lnTo>
+                  <a:pt x="2259550" y="0"/>
+                </a:lnTo>
+                <a:lnTo>
+                  <a:pt x="2387803" y="82222"/>
+                </a:lnTo>
+                <a:cubicBezTo>
+                  <a:pt x="3461407" y="807534"/>
+                  <a:pt x="4167271" y="2035835"/>
+                  <a:pt x="4167271" y="3429000"/>
+                </a:cubicBezTo>
+                <a:cubicBezTo>
+                  <a:pt x="4167271" y="4822165"/>
+                  <a:pt x="3461407" y="6050467"/>
+                  <a:pt x="2387803" y="6775779"/>
+                </a:cubicBezTo>
+                <a:lnTo>
+                  <a:pt x="2259550" y="6858000"/>
+                </a:lnTo>
+                <a:lnTo>
+                  <a:pt x="0" y="6858000"/>
+                </a:lnTo>
+                <a:close/>
+              </a:path>
+            </a:pathLst>
+          </a:custGeom>
+          <a:solidFill>
+            <a:schemeClr val="accent2"/>
+          </a:solidFill>
+          <a:ln>
+            <a:noFill/>
+          </a:ln>
+        </p:spPr>
+        <p:style>
+          <a:lnRef idx="2">
+            <a:schemeClr val="accent1">
+              <a:shade val="50000"/>
+            </a:schemeClr>
+          </a:lnRef>
+          <a:fillRef idx="1">
+            <a:schemeClr val="accent1"/>
+          </a:fillRef>
+          <a:effectRef idx="0">
+            <a:schemeClr val="accent1"/>
+          </a:effectRef>
+          <a:fontRef idx="minor">
+            <a:schemeClr val="lt1"/>
+          </a:fontRef>
+        </p:style>
+        <p:txBody>
+          <a:bodyPr rtlCol="0" anchor="ctr"/>
+          <a:lstStyle/>
+          <a:p>
+            <a:pPr algn="ctr"/>
+            <a:endParaRPr lang="en-US"/>
+          </a:p>
+        </p:txBody>
+      </p:sp>
       <p:sp>
         <p:nvSpPr>
           <p:cNvPr id="2" name="Title 1">
@@ -25345,15 +25775,87 @@
             <p:ph type="title"/>
           </p:nvPr>
         </p:nvSpPr>
-        <p:spPr/>
+        <p:spPr>
+          <a:xfrm>
+            <a:off x="686834" y="1153572"/>
+            <a:ext cx="3200400" cy="4461163"/>
+          </a:xfrm>
+        </p:spPr>
         <p:txBody>
-          <a:bodyPr/>
+          <a:bodyPr>
+            <a:normAutofit/>
+          </a:bodyPr>
           <a:lstStyle/>
           <a:p>
             <a:r>
-              <a:rPr lang="pt-PT" dirty="0"/>
-              <a:t>ATIVIDADE EXTRA A DESTACAR</a:t>
+              <a:rPr lang="pt-PT">
+                <a:solidFill>
+                  <a:srgbClr val="FFFFFF"/>
+                </a:solidFill>
+              </a:rPr>
+              <a:t>Priorizar pedidos não entregues</a:t>
             </a:r>
+          </a:p>
+        </p:txBody>
+      </p:sp>
+      <p:sp>
+        <p:nvSpPr>
+          <p:cNvPr id="12" name="Arc 11">
+            <a:extLst>
+              <a:ext uri="{FF2B5EF4-FFF2-40B4-BE49-F238E27FC236}">
+                <a16:creationId xmlns:a16="http://schemas.microsoft.com/office/drawing/2014/main" id="{081E4A58-353D-44AE-B2FC-2A74E2E400F7}"/>
+              </a:ext>
+              <a:ext uri="{C183D7F6-B498-43B3-948B-1728B52AA6E4}">
+                <adec:decorative xmlns:adec="http://schemas.microsoft.com/office/drawing/2017/decorative" val="1"/>
+              </a:ext>
+            </a:extLst>
+          </p:cNvPr>
+          <p:cNvSpPr>
+            <a:spLocks noGrp="1" noRot="1" noChangeAspect="1" noMove="1" noResize="1" noEditPoints="1" noAdjustHandles="1" noChangeArrowheads="1" noChangeShapeType="1" noTextEdit="1"/>
+          </p:cNvSpPr>
+          <p:nvPr>
+            <p:extLst>
+              <p:ext uri="{386F3935-93C4-4BCD-93E2-E3B085C9AB24}">
+                <p16:designElem xmlns:p16="http://schemas.microsoft.com/office/powerpoint/2015/main" val="1"/>
+              </p:ext>
+            </p:extLst>
+          </p:nvPr>
+        </p:nvSpPr>
+        <p:spPr>
+          <a:xfrm flipV="1">
+            <a:off x="7550402" y="2455479"/>
+            <a:ext cx="4083433" cy="4083433"/>
+          </a:xfrm>
+          <a:prstGeom prst="arc">
+            <a:avLst/>
+          </a:prstGeom>
+          <a:ln w="127000" cap="rnd">
+            <a:solidFill>
+              <a:schemeClr val="accent4"/>
+            </a:solidFill>
+            <a:prstDash val="dash"/>
+          </a:ln>
+        </p:spPr>
+        <p:style>
+          <a:lnRef idx="1">
+            <a:schemeClr val="accent1"/>
+          </a:lnRef>
+          <a:fillRef idx="0">
+            <a:schemeClr val="accent1"/>
+          </a:fillRef>
+          <a:effectRef idx="0">
+            <a:schemeClr val="accent1"/>
+          </a:effectRef>
+          <a:fontRef idx="minor">
+            <a:schemeClr val="tx1"/>
+          </a:fontRef>
+        </p:style>
+        <p:txBody>
+          <a:bodyPr rtlCol="0" anchor="ctr"/>
+          <a:lstStyle/>
+          <a:p>
+            <a:pPr algn="ctr"/>
+            <a:endParaRPr lang="en-US" dirty="0"/>
           </a:p>
         </p:txBody>
       </p:sp>
@@ -25373,12 +25875,33 @@
             <p:ph idx="1"/>
           </p:nvPr>
         </p:nvSpPr>
-        <p:spPr/>
+        <p:spPr>
+          <a:xfrm>
+            <a:off x="4447308" y="591344"/>
+            <a:ext cx="6906491" cy="5585619"/>
+          </a:xfrm>
+        </p:spPr>
         <p:txBody>
-          <a:bodyPr/>
+          <a:bodyPr anchor="ctr">
+            <a:normAutofit/>
+          </a:bodyPr>
           <a:lstStyle/>
           <a:p>
-            <a:endParaRPr lang="pt-PT"/>
+            <a:pPr marL="0" indent="0">
+              <a:buNone/>
+            </a:pPr>
+            <a:r>
+              <a:rPr lang="pt-PT" dirty="0"/>
+              <a:t>A aplicação permite assinalar o final de um dia de trabalho através da função </a:t>
+            </a:r>
+            <a:r>
+              <a:rPr lang="pt-PT" i="1" dirty="0" err="1"/>
+              <a:t>endOfBusiness</a:t>
+            </a:r>
+            <a:r>
+              <a:rPr lang="pt-PT" dirty="0"/>
+              <a:t>, que remove do sistema as entregas normais já efetuadas e incrementa a prioridade das encomendas que não foram entregues nesse dia (inicialmente, todas as encomendas têm prioridade zero). Para além disso, o utilizador pode adicionar mais encomendas ao sistema, a qualquer momento (respeitando a prioridade).</a:t>
+            </a:r>
           </a:p>
         </p:txBody>
       </p:sp>
@@ -28002,6 +28525,14 @@
 <file path=ppt/slides/slide6.xml><?xml version="1.0" encoding="utf-8"?>
 <p:sld xmlns:a="http://schemas.openxmlformats.org/drawingml/2006/main" xmlns:r="http://schemas.openxmlformats.org/officeDocument/2006/relationships" xmlns:p="http://schemas.openxmlformats.org/presentationml/2006/main">
   <p:cSld>
+    <p:bg>
+      <p:bgPr>
+        <a:solidFill>
+          <a:schemeClr val="bg1"/>
+        </a:solidFill>
+        <a:effectLst/>
+      </p:bgPr>
+    </p:bg>
     <p:spTree>
       <p:nvGrpSpPr>
         <p:cNvPr id="1" name=""/>
@@ -28032,15 +28563,269 @@
             <p:ph type="title"/>
           </p:nvPr>
         </p:nvSpPr>
-        <p:spPr/>
+        <p:spPr>
+          <a:xfrm>
+            <a:off x="990600" y="338328"/>
+            <a:ext cx="10210800" cy="1078992"/>
+          </a:xfrm>
+        </p:spPr>
         <p:txBody>
-          <a:bodyPr/>
+          <a:bodyPr vert="horz" lIns="91440" tIns="45720" rIns="91440" bIns="45720" rtlCol="0" anchor="b">
+            <a:normAutofit/>
+          </a:bodyPr>
           <a:lstStyle/>
           <a:p>
+            <a:pPr algn="ctr"/>
             <a:r>
-              <a:rPr lang="pt-PT" dirty="0"/>
+              <a:rPr lang="en-US" sz="5400"/>
               <a:t>Cenário 1: Avaliação empírica</a:t>
             </a:r>
+          </a:p>
+        </p:txBody>
+      </p:sp>
+      <p:sp>
+        <p:nvSpPr>
+          <p:cNvPr id="15" name="Rectangle 11">
+            <a:extLst>
+              <a:ext uri="{FF2B5EF4-FFF2-40B4-BE49-F238E27FC236}">
+                <a16:creationId xmlns:a16="http://schemas.microsoft.com/office/drawing/2014/main" id="{70BDD0CE-06A4-404B-8A13-580229C1C923}"/>
+              </a:ext>
+              <a:ext uri="{C183D7F6-B498-43B3-948B-1728B52AA6E4}">
+                <adec:decorative xmlns:adec="http://schemas.microsoft.com/office/drawing/2017/decorative" val="1"/>
+              </a:ext>
+            </a:extLst>
+          </p:cNvPr>
+          <p:cNvSpPr>
+            <a:spLocks noGrp="1" noRot="1" noChangeAspect="1" noMove="1" noResize="1" noEditPoints="1" noAdjustHandles="1" noChangeArrowheads="1" noChangeShapeType="1" noTextEdit="1"/>
+          </p:cNvSpPr>
+          <p:nvPr>
+            <p:extLst>
+              <p:ext uri="{386F3935-93C4-4BCD-93E2-E3B085C9AB24}">
+                <p16:designElem xmlns:p16="http://schemas.microsoft.com/office/powerpoint/2015/main" val="1"/>
+              </p:ext>
+            </p:extLst>
+          </p:nvPr>
+        </p:nvSpPr>
+        <p:spPr>
+          <a:xfrm>
+            <a:off x="0" y="2141750"/>
+            <a:ext cx="12192000" cy="4716250"/>
+          </a:xfrm>
+          <a:prstGeom prst="rect">
+            <a:avLst/>
+          </a:prstGeom>
+          <a:solidFill>
+            <a:srgbClr val="C8CACA"/>
+          </a:solidFill>
+          <a:ln>
+            <a:noFill/>
+          </a:ln>
+        </p:spPr>
+        <p:style>
+          <a:lnRef idx="2">
+            <a:schemeClr val="accent1">
+              <a:shade val="50000"/>
+            </a:schemeClr>
+          </a:lnRef>
+          <a:fillRef idx="1">
+            <a:schemeClr val="accent1"/>
+          </a:fillRef>
+          <a:effectRef idx="0">
+            <a:schemeClr val="accent1"/>
+          </a:effectRef>
+          <a:fontRef idx="minor">
+            <a:schemeClr val="lt1"/>
+          </a:fontRef>
+        </p:style>
+        <p:txBody>
+          <a:bodyPr rtlCol="0" anchor="ctr"/>
+          <a:lstStyle/>
+          <a:p>
+            <a:pPr algn="ctr"/>
+            <a:endParaRPr lang="en-US"/>
+          </a:p>
+        </p:txBody>
+      </p:sp>
+      <p:sp>
+        <p:nvSpPr>
+          <p:cNvPr id="14" name="Rounded Rectangle 26">
+            <a:extLst>
+              <a:ext uri="{FF2B5EF4-FFF2-40B4-BE49-F238E27FC236}">
+                <a16:creationId xmlns:a16="http://schemas.microsoft.com/office/drawing/2014/main" id="{EE9899FA-8881-472C-AA59-D08A89CA8AEF}"/>
+              </a:ext>
+              <a:ext uri="{C183D7F6-B498-43B3-948B-1728B52AA6E4}">
+                <adec:decorative xmlns:adec="http://schemas.microsoft.com/office/drawing/2017/decorative" val="1"/>
+              </a:ext>
+            </a:extLst>
+          </p:cNvPr>
+          <p:cNvSpPr>
+            <a:spLocks noGrp="1" noRot="1" noChangeAspect="1" noMove="1" noResize="1" noEditPoints="1" noAdjustHandles="1" noChangeArrowheads="1" noChangeShapeType="1" noTextEdit="1"/>
+          </p:cNvSpPr>
+          <p:nvPr>
+            <p:extLst>
+              <p:ext uri="{386F3935-93C4-4BCD-93E2-E3B085C9AB24}">
+                <p16:designElem xmlns:p16="http://schemas.microsoft.com/office/powerpoint/2015/main" val="1"/>
+              </p:ext>
+            </p:extLst>
+          </p:nvPr>
+        </p:nvSpPr>
+        <p:spPr>
+          <a:xfrm>
+            <a:off x="321564" y="2423160"/>
+            <a:ext cx="5613569" cy="3930315"/>
+          </a:xfrm>
+          <a:prstGeom prst="roundRect">
+            <a:avLst>
+              <a:gd name="adj" fmla="val 0"/>
+            </a:avLst>
+          </a:prstGeom>
+          <a:solidFill>
+            <a:srgbClr val="FFFFFF"/>
+          </a:solidFill>
+          <a:ln w="9525">
+            <a:solidFill>
+              <a:srgbClr val="C8CACA"/>
+            </a:solidFill>
+          </a:ln>
+          <a:effectLst>
+            <a:outerShdw blurRad="57150" dist="19050" dir="5400000" algn="t" rotWithShape="0">
+              <a:prstClr val="black">
+                <a:alpha val="63000"/>
+              </a:prstClr>
+            </a:outerShdw>
+          </a:effectLst>
+        </p:spPr>
+        <p:style>
+          <a:lnRef idx="2">
+            <a:schemeClr val="accent1">
+              <a:shade val="50000"/>
+            </a:schemeClr>
+          </a:lnRef>
+          <a:fillRef idx="1">
+            <a:schemeClr val="accent1"/>
+          </a:fillRef>
+          <a:effectRef idx="0">
+            <a:schemeClr val="accent1"/>
+          </a:effectRef>
+          <a:fontRef idx="minor">
+            <a:schemeClr val="lt1"/>
+          </a:fontRef>
+        </p:style>
+        <p:txBody>
+          <a:bodyPr rtlCol="0" anchor="ctr"/>
+          <a:lstStyle/>
+          <a:p>
+            <a:pPr algn="ctr"/>
+            <a:endParaRPr lang="en-US"/>
+          </a:p>
+        </p:txBody>
+      </p:sp>
+      <p:pic>
+        <p:nvPicPr>
+          <p:cNvPr id="7" name="Picture 6">
+            <a:extLst>
+              <a:ext uri="{FF2B5EF4-FFF2-40B4-BE49-F238E27FC236}">
+                <a16:creationId xmlns:a16="http://schemas.microsoft.com/office/drawing/2014/main" id="{C3E683AC-7205-A6D2-58CF-B31454CB7DF3}"/>
+              </a:ext>
+            </a:extLst>
+          </p:cNvPr>
+          <p:cNvPicPr>
+            <a:picLocks noChangeAspect="1"/>
+          </p:cNvPicPr>
+          <p:nvPr/>
+        </p:nvPicPr>
+        <p:blipFill rotWithShape="1">
+          <a:blip r:embed="rId2">
+            <a:extLst>
+              <a:ext uri="{28A0092B-C50C-407E-A947-70E740481C1C}">
+                <a14:useLocalDpi xmlns:a14="http://schemas.microsoft.com/office/drawing/2010/main" val="0"/>
+              </a:ext>
+            </a:extLst>
+          </a:blip>
+          <a:srcRect r="343"/>
+          <a:stretch/>
+        </p:blipFill>
+        <p:spPr>
+          <a:xfrm>
+            <a:off x="321563" y="2423159"/>
+            <a:ext cx="5617719" cy="3930315"/>
+          </a:xfrm>
+          <a:prstGeom prst="rect">
+            <a:avLst/>
+          </a:prstGeom>
+        </p:spPr>
+      </p:pic>
+      <p:sp>
+        <p:nvSpPr>
+          <p:cNvPr id="16" name="Rounded Rectangle 16">
+            <a:extLst>
+              <a:ext uri="{FF2B5EF4-FFF2-40B4-BE49-F238E27FC236}">
+                <a16:creationId xmlns:a16="http://schemas.microsoft.com/office/drawing/2014/main" id="{080B7D90-3DF1-4514-B26D-616BE35553C9}"/>
+              </a:ext>
+              <a:ext uri="{C183D7F6-B498-43B3-948B-1728B52AA6E4}">
+                <adec:decorative xmlns:adec="http://schemas.microsoft.com/office/drawing/2017/decorative" val="1"/>
+              </a:ext>
+            </a:extLst>
+          </p:cNvPr>
+          <p:cNvSpPr>
+            <a:spLocks noGrp="1" noRot="1" noChangeAspect="1" noMove="1" noResize="1" noEditPoints="1" noAdjustHandles="1" noChangeArrowheads="1" noChangeShapeType="1" noTextEdit="1"/>
+          </p:cNvSpPr>
+          <p:nvPr>
+            <p:extLst>
+              <p:ext uri="{386F3935-93C4-4BCD-93E2-E3B085C9AB24}">
+                <p16:designElem xmlns:p16="http://schemas.microsoft.com/office/powerpoint/2015/main" val="1"/>
+              </p:ext>
+            </p:extLst>
+          </p:nvPr>
+        </p:nvSpPr>
+        <p:spPr>
+          <a:xfrm>
+            <a:off x="6254749" y="2423160"/>
+            <a:ext cx="5613569" cy="3930315"/>
+          </a:xfrm>
+          <a:prstGeom prst="roundRect">
+            <a:avLst>
+              <a:gd name="adj" fmla="val 0"/>
+            </a:avLst>
+          </a:prstGeom>
+          <a:solidFill>
+            <a:srgbClr val="FFFFFF"/>
+          </a:solidFill>
+          <a:ln w="9525">
+            <a:solidFill>
+              <a:srgbClr val="C8CACA"/>
+            </a:solidFill>
+          </a:ln>
+          <a:effectLst>
+            <a:outerShdw blurRad="57150" dist="19050" dir="5400000" algn="t" rotWithShape="0">
+              <a:prstClr val="black">
+                <a:alpha val="63000"/>
+              </a:prstClr>
+            </a:outerShdw>
+          </a:effectLst>
+        </p:spPr>
+        <p:style>
+          <a:lnRef idx="2">
+            <a:schemeClr val="accent1">
+              <a:shade val="50000"/>
+            </a:schemeClr>
+          </a:lnRef>
+          <a:fillRef idx="1">
+            <a:schemeClr val="accent1"/>
+          </a:fillRef>
+          <a:effectRef idx="0">
+            <a:schemeClr val="accent1"/>
+          </a:effectRef>
+          <a:fontRef idx="minor">
+            <a:schemeClr val="lt1"/>
+          </a:fontRef>
+        </p:style>
+        <p:txBody>
+          <a:bodyPr rtlCol="0" anchor="ctr"/>
+          <a:lstStyle/>
+          <a:p>
+            <a:pPr algn="ctr"/>
+            <a:endParaRPr lang="en-US"/>
           </a:p>
         </p:txBody>
       </p:sp>
@@ -28061,39 +28846,6 @@
           </p:nvPr>
         </p:nvPicPr>
         <p:blipFill>
-          <a:blip r:embed="rId2">
-            <a:extLst>
-              <a:ext uri="{28A0092B-C50C-407E-A947-70E740481C1C}">
-                <a14:useLocalDpi xmlns:a14="http://schemas.microsoft.com/office/drawing/2010/main" val="0"/>
-              </a:ext>
-            </a:extLst>
-          </a:blip>
-          <a:stretch>
-            <a:fillRect/>
-          </a:stretch>
-        </p:blipFill>
-        <p:spPr>
-          <a:xfrm>
-            <a:off x="838200" y="3429000"/>
-            <a:ext cx="10515600" cy="2984947"/>
-          </a:xfrm>
-        </p:spPr>
-      </p:pic>
-      <p:pic>
-        <p:nvPicPr>
-          <p:cNvPr id="7" name="Picture 6">
-            <a:extLst>
-              <a:ext uri="{FF2B5EF4-FFF2-40B4-BE49-F238E27FC236}">
-                <a16:creationId xmlns:a16="http://schemas.microsoft.com/office/drawing/2014/main" id="{C3E683AC-7205-A6D2-58CF-B31454CB7DF3}"/>
-              </a:ext>
-            </a:extLst>
-          </p:cNvPr>
-          <p:cNvPicPr>
-            <a:picLocks noChangeAspect="1"/>
-          </p:cNvPicPr>
-          <p:nvPr/>
-        </p:nvPicPr>
-        <p:blipFill>
           <a:blip r:embed="rId3">
             <a:extLst>
               <a:ext uri="{28A0092B-C50C-407E-A947-70E740481C1C}">
@@ -28107,8 +28859,8 @@
         </p:blipFill>
         <p:spPr>
           <a:xfrm>
-            <a:off x="303508" y="1466325"/>
-            <a:ext cx="10515638" cy="3398406"/>
+            <a:off x="6250599" y="2423159"/>
+            <a:ext cx="5612954" cy="3930314"/>
           </a:xfrm>
           <a:prstGeom prst="rect">
             <a:avLst/>

--- a/Apresentacao.pptx
+++ b/Apresentacao.pptx
@@ -5947,6 +5947,65 @@
         </a:p>
       </dgm:t>
     </dgm:pt>
+    <dgm:pt modelId="{18D7EC80-6A3A-4144-8711-F7A8E92538E4}">
+      <dgm:prSet/>
+      <dgm:spPr/>
+      <dgm:t>
+        <a:bodyPr/>
+        <a:lstStyle/>
+        <a:p>
+          <a:r>
+            <a:rPr lang="en-US" dirty="0"/>
+            <a:t>A </a:t>
+          </a:r>
+          <a:r>
+            <a:rPr lang="en-US" dirty="0" err="1"/>
+            <a:t>prioridade</a:t>
+          </a:r>
+          <a:r>
+            <a:rPr lang="en-US" dirty="0"/>
+            <a:t> de </a:t>
+          </a:r>
+          <a:r>
+            <a:rPr lang="en-US" dirty="0" err="1"/>
+            <a:t>cada</a:t>
+          </a:r>
+          <a:r>
+            <a:rPr lang="en-US" dirty="0"/>
+            <a:t> </a:t>
+          </a:r>
+          <a:r>
+            <a:rPr lang="en-US" dirty="0" err="1"/>
+            <a:t>pacote</a:t>
+          </a:r>
+          <a:r>
+            <a:rPr lang="en-US" dirty="0"/>
+            <a:t> </a:t>
+          </a:r>
+          <a:r>
+            <a:rPr lang="en-US" dirty="0" err="1"/>
+            <a:t>deve</a:t>
+          </a:r>
+          <a:r>
+            <a:rPr lang="en-US" dirty="0"/>
+            <a:t> ser </a:t>
+          </a:r>
+          <a:r>
+            <a:rPr lang="en-US" dirty="0" err="1"/>
+            <a:t>respeitada</a:t>
+          </a:r>
+          <a:endParaRPr lang="en-US" dirty="0"/>
+        </a:p>
+      </dgm:t>
+    </dgm:pt>
+    <dgm:pt modelId="{981E9832-6E3C-4949-988F-DFF5AF129588}" type="parTrans" cxnId="{7272ABAD-B8FB-4D1A-B0EF-77039D325494}">
+      <dgm:prSet/>
+      <dgm:spPr/>
+    </dgm:pt>
+    <dgm:pt modelId="{0D74334C-17D6-411C-854E-F2DE95DCF619}" type="sibTrans" cxnId="{7272ABAD-B8FB-4D1A-B0EF-77039D325494}">
+      <dgm:prSet/>
+      <dgm:spPr/>
+    </dgm:pt>
     <dgm:pt modelId="{C43CFA63-C16F-44C5-A710-D5B9CD8C8817}" type="pres">
       <dgm:prSet presAssocID="{F19E5928-444D-43E4-9F01-3F649E08E3ED}" presName="Name0" presStyleCnt="0">
         <dgm:presLayoutVars>
@@ -6039,12 +6098,14 @@
     <dgm:cxn modelId="{94CAAD2C-AB88-44C3-82FC-661E0DD935E3}" type="presOf" srcId="{901B0DB8-6179-4CEE-A280-4E2A09649B5F}" destId="{E9A6D135-745C-494E-9D57-60CD772C11D4}" srcOrd="0" destOrd="0" presId="urn:microsoft.com/office/officeart/2005/8/layout/hList1"/>
     <dgm:cxn modelId="{9F1E3B32-B548-4B24-82D5-24102D0C34FE}" srcId="{F19E5928-444D-43E4-9F01-3F649E08E3ED}" destId="{6774E1F5-55B1-4C34-B067-C20D0C18E7F0}" srcOrd="1" destOrd="0" parTransId="{EB6AC1B1-C9FF-426F-B381-66FA235FCBBC}" sibTransId="{8805CB34-0F21-4231-9389-18D6325FE84C}"/>
     <dgm:cxn modelId="{AE96425F-9795-4011-A712-F9416D88E169}" srcId="{6774E1F5-55B1-4C34-B067-C20D0C18E7F0}" destId="{4CEC583C-897D-448E-B3D1-6DB9CFF62CD2}" srcOrd="0" destOrd="0" parTransId="{94266004-CD10-4A00-88D3-D633AC2366E9}" sibTransId="{D2A97E5A-24E8-4A17-89E7-46E484D52A49}"/>
+    <dgm:cxn modelId="{3B65E941-84B8-45A9-968C-1B980F480207}" type="presOf" srcId="{18D7EC80-6A3A-4144-8711-F7A8E92538E4}" destId="{372F2FB4-826E-4DF1-9FBB-F503D4F1342C}" srcOrd="0" destOrd="1" presId="urn:microsoft.com/office/officeart/2005/8/layout/hList1"/>
     <dgm:cxn modelId="{68224B71-5A3F-48E4-85CA-7A92824293D2}" srcId="{901B0DB8-6179-4CEE-A280-4E2A09649B5F}" destId="{7A9AAF1F-D187-47E4-A5DA-98AFA63120BC}" srcOrd="0" destOrd="0" parTransId="{7AD6EB5D-538F-4DDC-808C-B1DA70D9950D}" sibTransId="{5274B8B8-6D20-4EC5-947E-7F265210828A}"/>
     <dgm:cxn modelId="{B3330584-579A-403F-A800-DB672E1DD9BD}" type="presOf" srcId="{F19E5928-444D-43E4-9F01-3F649E08E3ED}" destId="{C43CFA63-C16F-44C5-A710-D5B9CD8C8817}" srcOrd="0" destOrd="0" presId="urn:microsoft.com/office/officeart/2005/8/layout/hList1"/>
     <dgm:cxn modelId="{C79FC68D-0F1F-41E1-89FB-0477B004A6E1}" srcId="{F19E5928-444D-43E4-9F01-3F649E08E3ED}" destId="{901B0DB8-6179-4CEE-A280-4E2A09649B5F}" srcOrd="0" destOrd="0" parTransId="{747157DC-E060-4166-AB77-F3166D965E56}" sibTransId="{3D8E1F6C-5995-4547-BC3C-8B5977FD09BC}"/>
     <dgm:cxn modelId="{83669793-3641-47E4-933C-976CBE080B55}" type="presOf" srcId="{A1FE0800-591B-4557-9995-8C307B074C9F}" destId="{45F173E1-BD37-405B-B225-E2D81906B64B}" srcOrd="0" destOrd="1" presId="urn:microsoft.com/office/officeart/2005/8/layout/hList1"/>
     <dgm:cxn modelId="{B077C69D-FE45-4266-8F84-5067AD564163}" type="presOf" srcId="{7A9AAF1F-D187-47E4-A5DA-98AFA63120BC}" destId="{45F173E1-BD37-405B-B225-E2D81906B64B}" srcOrd="0" destOrd="0" presId="urn:microsoft.com/office/officeart/2005/8/layout/hList1"/>
     <dgm:cxn modelId="{576AAEA1-D593-440C-B1F0-B220AB512417}" srcId="{901B0DB8-6179-4CEE-A280-4E2A09649B5F}" destId="{A1FE0800-591B-4557-9995-8C307B074C9F}" srcOrd="1" destOrd="0" parTransId="{108BB552-238B-41CD-816B-C9A0246B41BA}" sibTransId="{C37971FB-95EA-412F-95A7-55A377F69F64}"/>
+    <dgm:cxn modelId="{7272ABAD-B8FB-4D1A-B0EF-77039D325494}" srcId="{87FCBDD7-2422-42CB-B13A-014F842C3094}" destId="{18D7EC80-6A3A-4144-8711-F7A8E92538E4}" srcOrd="1" destOrd="0" parTransId="{981E9832-6E3C-4949-988F-DFF5AF129588}" sibTransId="{0D74334C-17D6-411C-854E-F2DE95DCF619}"/>
     <dgm:cxn modelId="{99F424CF-F3D2-4D69-A799-FBAAFC063237}" type="presOf" srcId="{188E9EDF-6421-46A1-84DD-FE611437B522}" destId="{372F2FB4-826E-4DF1-9FBB-F503D4F1342C}" srcOrd="0" destOrd="0" presId="urn:microsoft.com/office/officeart/2005/8/layout/hList1"/>
     <dgm:cxn modelId="{9F2994CF-0EAC-4D36-A4E9-3D10B923301B}" type="presOf" srcId="{4CEC583C-897D-448E-B3D1-6DB9CFF62CD2}" destId="{3C2E4920-771E-4258-B3BA-0195104C42D7}" srcOrd="0" destOrd="0" presId="urn:microsoft.com/office/officeart/2005/8/layout/hList1"/>
     <dgm:cxn modelId="{0E7639FC-F903-4482-9226-710B0707E60F}" srcId="{87FCBDD7-2422-42CB-B13A-014F842C3094}" destId="{188E9EDF-6421-46A1-84DD-FE611437B522}" srcOrd="0" destOrd="0" parTransId="{E397343E-49E2-4B9C-A8BD-8D1C02A8DF14}" sibTransId="{376B1240-B946-4E2F-850E-9B1F3775164B}"/>
@@ -6092,10 +6153,16 @@
         <a:lstStyle/>
         <a:p>
           <a:r>
-            <a:rPr lang="pt-PT"/>
+            <a:rPr lang="pt-PT" dirty="0"/>
             <a:t>Inicialmente, o vetor de estafetas é ordenado por ordem decrescente de peso máximo (em caso de empate, aplica-se a ordem decrescente de volumes).</a:t>
           </a:r>
-          <a:endParaRPr lang="en-US"/>
+        </a:p>
+        <a:p>
+          <a:r>
+            <a:rPr lang="pt-PT" dirty="0"/>
+            <a:t>Para além disso, o vetor de pacotes é ordenado por ordem decrescente de prioridade.</a:t>
+          </a:r>
+          <a:endParaRPr lang="en-US" dirty="0"/>
         </a:p>
       </dgm:t>
     </dgm:pt>
@@ -6690,6 +6757,25 @@
         </a:p>
       </dgm:t>
     </dgm:pt>
+    <dgm:pt modelId="{6BC37DE1-017A-4778-A158-DE1488C63B12}">
+      <dgm:prSet/>
+      <dgm:spPr/>
+      <dgm:t>
+        <a:bodyPr/>
+        <a:lstStyle/>
+        <a:p>
+          <a:endParaRPr lang="en-US" dirty="0"/>
+        </a:p>
+      </dgm:t>
+    </dgm:pt>
+    <dgm:pt modelId="{59880E3D-E735-4224-8828-BF286DD9608D}" type="parTrans" cxnId="{4FECD6DD-E540-46F1-BDC4-F4F77AF603C6}">
+      <dgm:prSet/>
+      <dgm:spPr/>
+    </dgm:pt>
+    <dgm:pt modelId="{A61EE885-FB68-42F9-A0CD-82BC28346DE3}" type="sibTrans" cxnId="{4FECD6DD-E540-46F1-BDC4-F4F77AF603C6}">
+      <dgm:prSet/>
+      <dgm:spPr/>
+    </dgm:pt>
     <dgm:pt modelId="{C43CFA63-C16F-44C5-A710-D5B9CD8C8817}" type="pres">
       <dgm:prSet presAssocID="{F19E5928-444D-43E4-9F01-3F649E08E3ED}" presName="Name0" presStyleCnt="0">
         <dgm:presLayoutVars>
@@ -6782,6 +6868,7 @@
     <dgm:cxn modelId="{94CAAD2C-AB88-44C3-82FC-661E0DD935E3}" type="presOf" srcId="{901B0DB8-6179-4CEE-A280-4E2A09649B5F}" destId="{E9A6D135-745C-494E-9D57-60CD772C11D4}" srcOrd="0" destOrd="0" presId="urn:microsoft.com/office/officeart/2005/8/layout/hList1"/>
     <dgm:cxn modelId="{9F1E3B32-B548-4B24-82D5-24102D0C34FE}" srcId="{F19E5928-444D-43E4-9F01-3F649E08E3ED}" destId="{6774E1F5-55B1-4C34-B067-C20D0C18E7F0}" srcOrd="1" destOrd="0" parTransId="{EB6AC1B1-C9FF-426F-B381-66FA235FCBBC}" sibTransId="{8805CB34-0F21-4231-9389-18D6325FE84C}"/>
     <dgm:cxn modelId="{AE96425F-9795-4011-A712-F9416D88E169}" srcId="{6774E1F5-55B1-4C34-B067-C20D0C18E7F0}" destId="{4CEC583C-897D-448E-B3D1-6DB9CFF62CD2}" srcOrd="0" destOrd="0" parTransId="{94266004-CD10-4A00-88D3-D633AC2366E9}" sibTransId="{D2A97E5A-24E8-4A17-89E7-46E484D52A49}"/>
+    <dgm:cxn modelId="{AA1EBA41-5AAE-47CF-AEBF-8E17CEF72AF5}" type="presOf" srcId="{6BC37DE1-017A-4778-A158-DE1488C63B12}" destId="{372F2FB4-826E-4DF1-9FBB-F503D4F1342C}" srcOrd="0" destOrd="1" presId="urn:microsoft.com/office/officeart/2005/8/layout/hList1"/>
     <dgm:cxn modelId="{68224B71-5A3F-48E4-85CA-7A92824293D2}" srcId="{901B0DB8-6179-4CEE-A280-4E2A09649B5F}" destId="{7A9AAF1F-D187-47E4-A5DA-98AFA63120BC}" srcOrd="0" destOrd="0" parTransId="{7AD6EB5D-538F-4DDC-808C-B1DA70D9950D}" sibTransId="{5274B8B8-6D20-4EC5-947E-7F265210828A}"/>
     <dgm:cxn modelId="{B3330584-579A-403F-A800-DB672E1DD9BD}" type="presOf" srcId="{F19E5928-444D-43E4-9F01-3F649E08E3ED}" destId="{C43CFA63-C16F-44C5-A710-D5B9CD8C8817}" srcOrd="0" destOrd="0" presId="urn:microsoft.com/office/officeart/2005/8/layout/hList1"/>
     <dgm:cxn modelId="{C79FC68D-0F1F-41E1-89FB-0477B004A6E1}" srcId="{F19E5928-444D-43E4-9F01-3F649E08E3ED}" destId="{901B0DB8-6179-4CEE-A280-4E2A09649B5F}" srcOrd="0" destOrd="0" parTransId="{747157DC-E060-4166-AB77-F3166D965E56}" sibTransId="{3D8E1F6C-5995-4547-BC3C-8B5977FD09BC}"/>
@@ -6790,6 +6877,7 @@
     <dgm:cxn modelId="{576AAEA1-D593-440C-B1F0-B220AB512417}" srcId="{901B0DB8-6179-4CEE-A280-4E2A09649B5F}" destId="{A1FE0800-591B-4557-9995-8C307B074C9F}" srcOrd="1" destOrd="0" parTransId="{108BB552-238B-41CD-816B-C9A0246B41BA}" sibTransId="{C37971FB-95EA-412F-95A7-55A377F69F64}"/>
     <dgm:cxn modelId="{99F424CF-F3D2-4D69-A799-FBAAFC063237}" type="presOf" srcId="{188E9EDF-6421-46A1-84DD-FE611437B522}" destId="{372F2FB4-826E-4DF1-9FBB-F503D4F1342C}" srcOrd="0" destOrd="0" presId="urn:microsoft.com/office/officeart/2005/8/layout/hList1"/>
     <dgm:cxn modelId="{9F2994CF-0EAC-4D36-A4E9-3D10B923301B}" type="presOf" srcId="{4CEC583C-897D-448E-B3D1-6DB9CFF62CD2}" destId="{3C2E4920-771E-4258-B3BA-0195104C42D7}" srcOrd="0" destOrd="0" presId="urn:microsoft.com/office/officeart/2005/8/layout/hList1"/>
+    <dgm:cxn modelId="{4FECD6DD-E540-46F1-BDC4-F4F77AF603C6}" srcId="{87FCBDD7-2422-42CB-B13A-014F842C3094}" destId="{6BC37DE1-017A-4778-A158-DE1488C63B12}" srcOrd="1" destOrd="0" parTransId="{59880E3D-E735-4224-8828-BF286DD9608D}" sibTransId="{A61EE885-FB68-42F9-A0CD-82BC28346DE3}"/>
     <dgm:cxn modelId="{0E7639FC-F903-4482-9226-710B0707E60F}" srcId="{87FCBDD7-2422-42CB-B13A-014F842C3094}" destId="{188E9EDF-6421-46A1-84DD-FE611437B522}" srcOrd="0" destOrd="0" parTransId="{E397343E-49E2-4B9C-A8BD-8D1C02A8DF14}" sibTransId="{376B1240-B946-4E2F-850E-9B1F3775164B}"/>
     <dgm:cxn modelId="{5B7AAEC6-36B2-422E-8DB6-83FB90CCF01A}" type="presParOf" srcId="{C43CFA63-C16F-44C5-A710-D5B9CD8C8817}" destId="{8030EA9B-8949-454A-9304-82545AF53600}" srcOrd="0" destOrd="0" presId="urn:microsoft.com/office/officeart/2005/8/layout/hList1"/>
     <dgm:cxn modelId="{F699F015-3EEB-4258-BF42-DBEFA8975797}" type="presParOf" srcId="{8030EA9B-8949-454A-9304-82545AF53600}" destId="{E9A6D135-745C-494E-9D57-60CD772C11D4}" srcOrd="0" destOrd="0" presId="urn:microsoft.com/office/officeart/2005/8/layout/hList1"/>
@@ -6984,7 +7072,7 @@
       <dgm:spPr/>
     </dgm:pt>
     <dgm:pt modelId="{2DD910E8-74D9-48C7-803B-3629D55B2DE9}" type="pres">
-      <dgm:prSet presAssocID="{44193E8D-C61C-44CF-9C8A-6F6E27C8848C}" presName="ThreeNodes_1" presStyleLbl="node1" presStyleIdx="0" presStyleCnt="3">
+      <dgm:prSet presAssocID="{44193E8D-C61C-44CF-9C8A-6F6E27C8848C}" presName="ThreeNodes_1" presStyleLbl="node1" presStyleIdx="0" presStyleCnt="3" custScaleX="101004" custScaleY="114684">
         <dgm:presLayoutVars>
           <dgm:bulletEnabled val="1"/>
         </dgm:presLayoutVars>
@@ -8265,6 +8353,61 @@
           </a:r>
           <a:endParaRPr lang="en-US" sz="2000" kern="1200" dirty="0"/>
         </a:p>
+        <a:p>
+          <a:pPr marL="228600" lvl="1" indent="-228600" algn="l" defTabSz="889000">
+            <a:lnSpc>
+              <a:spcPct val="90000"/>
+            </a:lnSpc>
+            <a:spcBef>
+              <a:spcPct val="0"/>
+            </a:spcBef>
+            <a:spcAft>
+              <a:spcPct val="15000"/>
+            </a:spcAft>
+            <a:buChar char="•"/>
+          </a:pPr>
+          <a:r>
+            <a:rPr lang="en-US" sz="2000" kern="1200" dirty="0"/>
+            <a:t>A </a:t>
+          </a:r>
+          <a:r>
+            <a:rPr lang="en-US" sz="2000" kern="1200" dirty="0" err="1"/>
+            <a:t>prioridade</a:t>
+          </a:r>
+          <a:r>
+            <a:rPr lang="en-US" sz="2000" kern="1200" dirty="0"/>
+            <a:t> de </a:t>
+          </a:r>
+          <a:r>
+            <a:rPr lang="en-US" sz="2000" kern="1200" dirty="0" err="1"/>
+            <a:t>cada</a:t>
+          </a:r>
+          <a:r>
+            <a:rPr lang="en-US" sz="2000" kern="1200" dirty="0"/>
+            <a:t> </a:t>
+          </a:r>
+          <a:r>
+            <a:rPr lang="en-US" sz="2000" kern="1200" dirty="0" err="1"/>
+            <a:t>pacote</a:t>
+          </a:r>
+          <a:r>
+            <a:rPr lang="en-US" sz="2000" kern="1200" dirty="0"/>
+            <a:t> </a:t>
+          </a:r>
+          <a:r>
+            <a:rPr lang="en-US" sz="2000" kern="1200" dirty="0" err="1"/>
+            <a:t>deve</a:t>
+          </a:r>
+          <a:r>
+            <a:rPr lang="en-US" sz="2000" kern="1200" dirty="0"/>
+            <a:t> ser </a:t>
+          </a:r>
+          <a:r>
+            <a:rPr lang="en-US" sz="2000" kern="1200" dirty="0" err="1"/>
+            <a:t>respeitada</a:t>
+          </a:r>
+          <a:endParaRPr lang="en-US" sz="2000" kern="1200" dirty="0"/>
+        </a:p>
       </dsp:txBody>
       <dsp:txXfrm>
         <a:off x="6502494" y="618500"/>
@@ -8353,10 +8496,28 @@
             <a:buNone/>
           </a:pPr>
           <a:r>
-            <a:rPr lang="pt-PT" sz="1400" kern="1200"/>
+            <a:rPr lang="pt-PT" sz="1400" kern="1200" dirty="0"/>
             <a:t>Inicialmente, o vetor de estafetas é ordenado por ordem decrescente de peso máximo (em caso de empate, aplica-se a ordem decrescente de volumes).</a:t>
           </a:r>
-          <a:endParaRPr lang="en-US" sz="1400" kern="1200"/>
+        </a:p>
+        <a:p>
+          <a:pPr marL="0" lvl="0" indent="0" algn="l" defTabSz="622300">
+            <a:lnSpc>
+              <a:spcPct val="90000"/>
+            </a:lnSpc>
+            <a:spcBef>
+              <a:spcPct val="0"/>
+            </a:spcBef>
+            <a:spcAft>
+              <a:spcPct val="35000"/>
+            </a:spcAft>
+            <a:buNone/>
+          </a:pPr>
+          <a:r>
+            <a:rPr lang="pt-PT" sz="1400" kern="1200" dirty="0"/>
+            <a:t>Para além disso, o vetor de pacotes é ordenado por ordem decrescente de prioridade.</a:t>
+          </a:r>
+          <a:endParaRPr lang="en-US" sz="1400" kern="1200" dirty="0"/>
         </a:p>
       </dsp:txBody>
       <dsp:txXfrm>
@@ -9392,6 +9553,21 @@
           </a:r>
           <a:endParaRPr lang="en-US" sz="2000" kern="1200" dirty="0"/>
         </a:p>
+        <a:p>
+          <a:pPr marL="228600" lvl="1" indent="-228600" algn="l" defTabSz="889000">
+            <a:lnSpc>
+              <a:spcPct val="90000"/>
+            </a:lnSpc>
+            <a:spcBef>
+              <a:spcPct val="0"/>
+            </a:spcBef>
+            <a:spcAft>
+              <a:spcPct val="15000"/>
+            </a:spcAft>
+            <a:buChar char="•"/>
+          </a:pPr>
+          <a:endParaRPr lang="en-US" sz="2000" kern="1200" dirty="0"/>
+        </a:p>
       </dsp:txBody>
       <dsp:txXfrm>
         <a:off x="6502494" y="618500"/>
@@ -9417,8 +9593,8 @@
       </dsp:nvSpPr>
       <dsp:spPr>
         <a:xfrm>
-          <a:off x="-277863" y="0"/>
-          <a:ext cx="6655812" cy="1669472"/>
+          <a:off x="-294569" y="-61286"/>
+          <a:ext cx="6722637" cy="1914617"/>
         </a:xfrm>
         <a:prstGeom prst="roundRect">
           <a:avLst>
@@ -9483,8 +9659,8 @@
         </a:p>
       </dsp:txBody>
       <dsp:txXfrm>
-        <a:off x="-228966" y="48897"/>
-        <a:ext cx="4854322" cy="1571678"/>
+        <a:off x="-238492" y="-5209"/>
+        <a:ext cx="4889681" cy="1802463"/>
       </dsp:txXfrm>
     </dsp:sp>
     <dsp:sp modelId="{916B0CA7-BD31-4CE9-BFFC-39054A69AF4A}">
@@ -9494,7 +9670,7 @@
       </dsp:nvSpPr>
       <dsp:spPr>
         <a:xfrm>
-          <a:off x="170840" y="1957534"/>
+          <a:off x="187546" y="2018820"/>
           <a:ext cx="6655812" cy="1669472"/>
         </a:xfrm>
         <a:prstGeom prst="roundRect">
@@ -9560,7 +9736,7 @@
         </a:p>
       </dsp:txBody>
       <dsp:txXfrm>
-        <a:off x="219737" y="2006431"/>
+        <a:off x="236443" y="2067717"/>
         <a:ext cx="4885584" cy="1571678"/>
       </dsp:txXfrm>
     </dsp:sp>
@@ -9571,7 +9747,7 @@
       </dsp:nvSpPr>
       <dsp:spPr>
         <a:xfrm>
-          <a:off x="0" y="3895435"/>
+          <a:off x="0" y="3956721"/>
           <a:ext cx="7767266" cy="1669472"/>
         </a:xfrm>
         <a:prstGeom prst="roundRect">
@@ -9644,7 +9820,7 @@
         </a:p>
       </dsp:txBody>
       <dsp:txXfrm>
-        <a:off x="48897" y="3944332"/>
+        <a:off x="48897" y="4005618"/>
         <a:ext cx="5717758" cy="1571678"/>
       </dsp:txXfrm>
     </dsp:sp>
@@ -9655,7 +9831,7 @@
       </dsp:nvSpPr>
       <dsp:spPr>
         <a:xfrm>
-          <a:off x="5292792" y="1266016"/>
+          <a:off x="5309498" y="1327302"/>
           <a:ext cx="1085157" cy="1085157"/>
         </a:xfrm>
         <a:prstGeom prst="downArrow">
@@ -9724,7 +9900,7 @@
         </a:p>
       </dsp:txBody>
       <dsp:txXfrm>
-        <a:off x="5536952" y="1266016"/>
+        <a:off x="5553658" y="1327302"/>
         <a:ext cx="596837" cy="816581"/>
       </dsp:txXfrm>
     </dsp:sp>
@@ -9735,7 +9911,7 @@
       </dsp:nvSpPr>
       <dsp:spPr>
         <a:xfrm>
-          <a:off x="5880069" y="3202604"/>
+          <a:off x="5896775" y="3263890"/>
           <a:ext cx="1085157" cy="1085157"/>
         </a:xfrm>
         <a:prstGeom prst="downArrow">
@@ -9804,7 +9980,7 @@
         </a:p>
       </dsp:txBody>
       <dsp:txXfrm>
-        <a:off x="6124229" y="3202604"/>
+        <a:off x="6140935" y="3263890"/>
         <a:ext cx="596837" cy="816581"/>
       </dsp:txXfrm>
     </dsp:sp>
@@ -25422,6 +25598,22 @@
               <a:t> Complexidade espacial: O(1)</a:t>
             </a:r>
           </a:p>
+          <a:p>
+            <a:pPr lvl="1">
+              <a:buFont typeface="Wingdings" panose="05000000000000000000" pitchFamily="2" charset="2"/>
+              <a:buChar char="Ø"/>
+            </a:pPr>
+            <a:endParaRPr lang="pt-PT" dirty="0"/>
+          </a:p>
+          <a:p>
+            <a:pPr marL="457200" lvl="1" indent="0">
+              <a:buNone/>
+            </a:pPr>
+            <a:r>
+              <a:rPr lang="pt-PT" dirty="0"/>
+              <a:t>(n =&gt; nº de encomendas expresso)</a:t>
+            </a:r>
+          </a:p>
         </p:txBody>
       </p:sp>
     </p:spTree>
@@ -26314,9 +26506,14 @@
           <a:lstStyle/>
           <a:p>
             <a:r>
-              <a:rPr lang="pt-PT" sz="4800"/>
-              <a:t>Solução algorítmica a destacar</a:t>
+              <a:rPr lang="pt-PT" dirty="0"/>
+              <a:t>Solução algorítmica a destacar: </a:t>
             </a:r>
+            <a:r>
+              <a:rPr lang="pt-PT" i="1" dirty="0" err="1"/>
+              <a:t>courierFiller</a:t>
+            </a:r>
+            <a:endParaRPr lang="pt-PT" i="1" dirty="0"/>
           </a:p>
         </p:txBody>
       </p:sp>
@@ -26361,15 +26558,7 @@
             </a:r>
             <a:r>
               <a:rPr lang="pt-PT" sz="2400" dirty="0"/>
-              <a:t> para encher o máximo possível a carrinha de cada estafeta. Apesar de ser este o algoritmo responsável pelo tempo de execução </a:t>
-            </a:r>
-            <a:r>
-              <a:rPr lang="pt-PT" sz="2400" dirty="0" err="1"/>
-              <a:t>factorial</a:t>
-            </a:r>
-            <a:r>
-              <a:rPr lang="pt-PT" sz="2400" dirty="0"/>
-              <a:t>, é a função que permite a otimização do número de estafetas usados e do lucro da empresa.</a:t>
+              <a:t> para encher o máximo possível a carrinha de cada estafeta. Apesar de ser este o algoritmo que tem mais impacto na complexidade temporal dos cenários, é ele que permite a otimização do número de estafetas usados e do lucro da empresa.</a:t>
             </a:r>
           </a:p>
         </p:txBody>
@@ -26601,7 +26790,7 @@
               <a:buNone/>
             </a:pPr>
             <a:r>
-              <a:rPr lang="pt-PT" dirty="0"/>
+              <a:rPr lang="pt-PT" sz="2400" dirty="0"/>
               <a:t>Autoavaliação:</a:t>
             </a:r>
           </a:p>
@@ -26611,7 +26800,7 @@
               <a:buChar char="Ø"/>
             </a:pPr>
             <a:r>
-              <a:rPr lang="pt-PT" dirty="0"/>
+              <a:rPr lang="pt-PT" sz="2400" dirty="0"/>
               <a:t> André Sousa: 33%</a:t>
             </a:r>
           </a:p>
@@ -26621,7 +26810,7 @@
               <a:buChar char="Ø"/>
             </a:pPr>
             <a:r>
-              <a:rPr lang="pt-PT" dirty="0"/>
+              <a:rPr lang="pt-PT" sz="2400" dirty="0"/>
               <a:t> Pedro Fonseca: 33%</a:t>
             </a:r>
           </a:p>
@@ -26631,15 +26820,15 @@
               <a:buChar char="Ø"/>
             </a:pPr>
             <a:r>
-              <a:rPr lang="pt-PT" dirty="0"/>
+              <a:rPr lang="pt-PT" sz="2400" dirty="0"/>
               <a:t> </a:t>
             </a:r>
             <a:r>
-              <a:rPr lang="pt-PT" dirty="0" err="1"/>
+              <a:rPr lang="pt-PT" sz="2400" dirty="0" err="1"/>
               <a:t>Vitor</a:t>
             </a:r>
             <a:r>
-              <a:rPr lang="pt-PT" dirty="0"/>
+              <a:rPr lang="pt-PT" sz="2400" dirty="0"/>
               <a:t> Cavaleiro: 33%</a:t>
             </a:r>
           </a:p>
@@ -28054,7 +28243,7 @@
             <p:ph idx="1"/>
             <p:extLst>
               <p:ext uri="{D42A27DB-BD31-4B8C-83A1-F6EECF244321}">
-                <p14:modId xmlns:p14="http://schemas.microsoft.com/office/powerpoint/2010/main" val="2487527124"/>
+                <p14:modId xmlns:p14="http://schemas.microsoft.com/office/powerpoint/2010/main" val="1884107624"/>
               </p:ext>
             </p:extLst>
           </p:nvPr>
@@ -28218,7 +28407,7 @@
             <p:ph idx="1"/>
             <p:extLst>
               <p:ext uri="{D42A27DB-BD31-4B8C-83A1-F6EECF244321}">
-                <p14:modId xmlns:p14="http://schemas.microsoft.com/office/powerpoint/2010/main" val="921299511"/>
+                <p14:modId xmlns:p14="http://schemas.microsoft.com/office/powerpoint/2010/main" val="2972898164"/>
               </p:ext>
             </p:extLst>
           </p:nvPr>
@@ -28382,6 +28571,18 @@
               <a:t>backtrack</a:t>
             </a:r>
             <a:r>
+              <a:rPr lang="pt-PT" i="1" dirty="0"/>
+              <a:t> (</a:t>
+            </a:r>
+            <a:r>
+              <a:rPr lang="pt-PT" i="1" dirty="0" err="1"/>
+              <a:t>courierFiller</a:t>
+            </a:r>
+            <a:r>
+              <a:rPr lang="pt-PT" i="1" dirty="0"/>
+              <a:t>)</a:t>
+            </a:r>
+            <a:r>
               <a:rPr lang="pt-PT" dirty="0"/>
               <a:t>: </a:t>
             </a:r>
@@ -28393,8 +28594,13 @@
             </a:pPr>
             <a:r>
               <a:rPr lang="pt-PT" dirty="0"/>
-              <a:t> Complexidade temporal: n!</a:t>
+              <a:t> Complexidade temporal: n</a:t>
             </a:r>
+            <a:r>
+              <a:rPr lang="pt-PT" baseline="30000" dirty="0"/>
+              <a:t>2</a:t>
+            </a:r>
+            <a:endParaRPr lang="pt-PT" dirty="0"/>
           </a:p>
           <a:p>
             <a:pPr lvl="1">
@@ -28403,7 +28609,7 @@
             </a:pPr>
             <a:r>
               <a:rPr lang="pt-PT" dirty="0"/>
-              <a:t> Complexidade espacial: n</a:t>
+              <a:t> Complexidade espacial: 1</a:t>
             </a:r>
           </a:p>
           <a:p>
@@ -28430,13 +28636,13 @@
             </a:pPr>
             <a:r>
               <a:rPr lang="pt-PT" dirty="0"/>
-              <a:t> Complexidade temporal: n * log(n) + m * </a:t>
+              <a:t> Complexidade temporal: n * log(n) + m * log(m) + m * </a:t>
             </a:r>
             <a:r>
               <a:rPr lang="pt-PT" i="1" dirty="0" err="1"/>
-              <a:t>backtrack</a:t>
+              <a:t>courierFiller</a:t>
             </a:r>
-            <a:endParaRPr lang="pt-PT" i="1" dirty="0"/>
+            <a:endParaRPr lang="pt-PT" i="1" baseline="30000" dirty="0"/>
           </a:p>
           <a:p>
             <a:pPr lvl="1">
@@ -28449,7 +28655,7 @@
             </a:r>
             <a:r>
               <a:rPr lang="pt-PT" i="1" dirty="0" err="1"/>
-              <a:t>backtrack</a:t>
+              <a:t>courierFiller</a:t>
             </a:r>
             <a:endParaRPr lang="pt-PT" i="1" dirty="0"/>
           </a:p>
@@ -28472,7 +28678,23 @@
             </a:pPr>
             <a:r>
               <a:rPr lang="pt-PT" dirty="0"/>
-              <a:t> Complexidade temporal: n * log(n) + m * n! =&gt; O(n) = n!</a:t>
+              <a:t> Complexidade temporal: n * log(n) + m * n</a:t>
+            </a:r>
+            <a:r>
+              <a:rPr lang="pt-PT" baseline="30000" dirty="0"/>
+              <a:t>2</a:t>
+            </a:r>
+            <a:r>
+              <a:rPr lang="pt-PT" dirty="0"/>
+              <a:t> =&gt; O(n, m) = m * n</a:t>
+            </a:r>
+            <a:r>
+              <a:rPr lang="pt-PT" baseline="30000" dirty="0"/>
+              <a:t>2</a:t>
+            </a:r>
+            <a:r>
+              <a:rPr lang="pt-PT" dirty="0"/>
+              <a:t> </a:t>
             </a:r>
           </a:p>
           <a:p>
@@ -28482,7 +28704,7 @@
             </a:pPr>
             <a:r>
               <a:rPr lang="pt-PT" dirty="0"/>
-              <a:t> Complexidade espacial: n</a:t>
+              <a:t> Complexidade espacial: 1</a:t>
             </a:r>
           </a:p>
           <a:p>
@@ -28948,7 +29170,7 @@
             <p:ph idx="1"/>
             <p:extLst>
               <p:ext uri="{D42A27DB-BD31-4B8C-83A1-F6EECF244321}">
-                <p14:modId xmlns:p14="http://schemas.microsoft.com/office/powerpoint/2010/main" val="557627444"/>
+                <p14:modId xmlns:p14="http://schemas.microsoft.com/office/powerpoint/2010/main" val="868656270"/>
               </p:ext>
             </p:extLst>
           </p:nvPr>
@@ -29044,7 +29266,7 @@
             <p:ph idx="1"/>
             <p:extLst>
               <p:ext uri="{D42A27DB-BD31-4B8C-83A1-F6EECF244321}">
-                <p14:modId xmlns:p14="http://schemas.microsoft.com/office/powerpoint/2010/main" val="3975837806"/>
+                <p14:modId xmlns:p14="http://schemas.microsoft.com/office/powerpoint/2010/main" val="55413538"/>
               </p:ext>
             </p:extLst>
           </p:nvPr>
@@ -29073,8 +29295,8 @@
         </p:nvSpPr>
         <p:spPr>
           <a:xfrm>
-            <a:off x="2105892" y="1297433"/>
-            <a:ext cx="6068291" cy="1754326"/>
+            <a:off x="1888621" y="1297433"/>
+            <a:ext cx="6516471" cy="2031325"/>
           </a:xfrm>
           <a:prstGeom prst="rect">
             <a:avLst/>
@@ -29093,7 +29315,17 @@
                   <a:schemeClr val="bg1"/>
                 </a:solidFill>
               </a:rPr>
-              <a:t>Inicialmente, é calculado, para cada estafeta, um rácio para permitir ordenar os estafetas por ordem decrescente de carga transportada em função do seu custo. De forma análoga, é realizado o mesmo procedimento para as encomendas, só que as encomendas são ordenadas por ordem crescente. </a:t>
+              <a:t>Inicialmente, é calculado, para cada estafeta, um rácio para permitir ordenar os estafetas por ordem decrescente de carga transportada em função do seu custo. De forma análoga, é realizado o mesmo procedimento para as encomendas, só que as encomendas são ordenadas por ordem decrescente de prioridade e crescente </a:t>
+            </a:r>
+          </a:p>
+          <a:p>
+            <a:r>
+              <a:rPr lang="pt-BR" dirty="0">
+                <a:solidFill>
+                  <a:schemeClr val="bg1"/>
+                </a:solidFill>
+              </a:rPr>
+              <a:t>de rácio. </a:t>
             </a:r>
             <a:endParaRPr lang="en-US" dirty="0">
               <a:solidFill>
@@ -29125,7 +29357,7 @@
         <p:spPr>
           <a:xfrm>
             <a:off x="2659040" y="3455259"/>
-            <a:ext cx="6299200" cy="1200329"/>
+            <a:ext cx="6299200" cy="1477328"/>
           </a:xfrm>
           <a:prstGeom prst="rect">
             <a:avLst/>
@@ -29152,7 +29384,7 @@
                   <a:schemeClr val="bg1"/>
                 </a:solidFill>
               </a:rPr>
-              <a:t>encomendas mais rentáveis.</a:t>
+              <a:t>encomendas mais rentáveis (ou as que têm maior prioridade).</a:t>
             </a:r>
             <a:endParaRPr lang="en-US" dirty="0">
               <a:solidFill>
@@ -29219,7 +29451,7 @@
                 <a:ea typeface="+mn-ea"/>
                 <a:cs typeface="+mn-cs"/>
               </a:rPr>
-              <a:t>atribuídas, é chamada a função de </a:t>
+              <a:t>atribuídas, é chamada a função </a:t>
             </a:r>
             <a:r>
               <a:rPr lang="pt-BR" sz="1800" i="1" kern="1200" dirty="0">
@@ -29230,7 +29462,7 @@
                 <a:ea typeface="+mn-ea"/>
                 <a:cs typeface="+mn-cs"/>
               </a:rPr>
-              <a:t>backtrack</a:t>
+              <a:t>courierFiller</a:t>
             </a:r>
             <a:r>
               <a:rPr lang="pt-BR" sz="1800" kern="1200" dirty="0">
@@ -29398,6 +29630,18 @@
               <a:t>backtrack</a:t>
             </a:r>
             <a:r>
+              <a:rPr lang="pt-PT" i="1" dirty="0"/>
+              <a:t> (</a:t>
+            </a:r>
+            <a:r>
+              <a:rPr lang="pt-PT" i="1" dirty="0" err="1"/>
+              <a:t>courierFiller</a:t>
+            </a:r>
+            <a:r>
+              <a:rPr lang="pt-PT" i="1" dirty="0"/>
+              <a:t>)</a:t>
+            </a:r>
+            <a:r>
               <a:rPr lang="pt-PT" dirty="0"/>
               <a:t>: </a:t>
             </a:r>
@@ -29409,7 +29653,11 @@
             </a:pPr>
             <a:r>
               <a:rPr lang="pt-PT" dirty="0"/>
-              <a:t> Complexidade temporal: n!</a:t>
+              <a:t> Complexidade temporal: n</a:t>
+            </a:r>
+            <a:r>
+              <a:rPr lang="pt-PT" baseline="30000" dirty="0"/>
+              <a:t>2</a:t>
             </a:r>
           </a:p>
           <a:p>
@@ -29419,7 +29667,7 @@
             </a:pPr>
             <a:r>
               <a:rPr lang="pt-PT" dirty="0"/>
-              <a:t> Complexidade espacial: n</a:t>
+              <a:t> Complexidade espacial: 1</a:t>
             </a:r>
           </a:p>
           <a:p>
@@ -29451,7 +29699,7 @@
             </a:r>
             <a:r>
               <a:rPr lang="pt-PT" i="1" dirty="0" err="1"/>
-              <a:t>backtrack</a:t>
+              <a:t>courierFiller</a:t>
             </a:r>
             <a:r>
               <a:rPr lang="pt-PT" dirty="0"/>
@@ -29469,7 +29717,7 @@
             </a:r>
             <a:r>
               <a:rPr lang="pt-PT" i="1" dirty="0" err="1"/>
-              <a:t>backtrack</a:t>
+              <a:t>courierFiller</a:t>
             </a:r>
             <a:endParaRPr lang="pt-PT" i="1" dirty="0"/>
           </a:p>
@@ -29492,8 +29740,21 @@
             </a:pPr>
             <a:r>
               <a:rPr lang="pt-PT" dirty="0"/>
-              <a:t> Complexidade temporal: 2 * n * log(n) + m * n! + n =&gt; O(n) = n!</a:t>
+              <a:t> Complexidade temporal: 2 * n * log(n) + m * n</a:t>
             </a:r>
+            <a:r>
+              <a:rPr lang="pt-PT" baseline="30000" dirty="0"/>
+              <a:t>2</a:t>
+            </a:r>
+            <a:r>
+              <a:rPr lang="pt-PT" dirty="0"/>
+              <a:t> + n =&gt; O(n, m) = m * n</a:t>
+            </a:r>
+            <a:r>
+              <a:rPr lang="pt-PT" baseline="30000" dirty="0"/>
+              <a:t>2</a:t>
+            </a:r>
+            <a:endParaRPr lang="pt-PT" dirty="0"/>
           </a:p>
           <a:p>
             <a:pPr lvl="1">
@@ -29502,7 +29763,7 @@
             </a:pPr>
             <a:r>
               <a:rPr lang="pt-PT" dirty="0"/>
-              <a:t> Complexidade espacial: n</a:t>
+              <a:t> Complexidade espacial: 1</a:t>
             </a:r>
           </a:p>
           <a:p>

--- a/Apresentacao.pptx
+++ b/Apresentacao.pptx
@@ -21489,7 +21489,7 @@
           <a:p>
             <a:fld id="{2628DE58-6B27-487D-A370-092A65FAF62A}" type="datetimeFigureOut">
               <a:rPr lang="pt-PT" smtClean="0"/>
-              <a:t>21/04/2022</a:t>
+              <a:t>22/04/2022</a:t>
             </a:fld>
             <a:endParaRPr lang="pt-PT" dirty="0"/>
           </a:p>
@@ -21689,7 +21689,7 @@
           <a:p>
             <a:fld id="{2628DE58-6B27-487D-A370-092A65FAF62A}" type="datetimeFigureOut">
               <a:rPr lang="pt-PT" smtClean="0"/>
-              <a:t>21/04/2022</a:t>
+              <a:t>22/04/2022</a:t>
             </a:fld>
             <a:endParaRPr lang="pt-PT" dirty="0"/>
           </a:p>
@@ -21899,7 +21899,7 @@
           <a:p>
             <a:fld id="{2628DE58-6B27-487D-A370-092A65FAF62A}" type="datetimeFigureOut">
               <a:rPr lang="pt-PT" smtClean="0"/>
-              <a:t>21/04/2022</a:t>
+              <a:t>22/04/2022</a:t>
             </a:fld>
             <a:endParaRPr lang="pt-PT" dirty="0"/>
           </a:p>
@@ -22099,7 +22099,7 @@
           <a:p>
             <a:fld id="{2628DE58-6B27-487D-A370-092A65FAF62A}" type="datetimeFigureOut">
               <a:rPr lang="pt-PT" smtClean="0"/>
-              <a:t>21/04/2022</a:t>
+              <a:t>22/04/2022</a:t>
             </a:fld>
             <a:endParaRPr lang="pt-PT" dirty="0"/>
           </a:p>
@@ -22375,7 +22375,7 @@
           <a:p>
             <a:fld id="{2628DE58-6B27-487D-A370-092A65FAF62A}" type="datetimeFigureOut">
               <a:rPr lang="pt-PT" smtClean="0"/>
-              <a:t>21/04/2022</a:t>
+              <a:t>22/04/2022</a:t>
             </a:fld>
             <a:endParaRPr lang="pt-PT" dirty="0"/>
           </a:p>
@@ -22643,7 +22643,7 @@
           <a:p>
             <a:fld id="{2628DE58-6B27-487D-A370-092A65FAF62A}" type="datetimeFigureOut">
               <a:rPr lang="pt-PT" smtClean="0"/>
-              <a:t>21/04/2022</a:t>
+              <a:t>22/04/2022</a:t>
             </a:fld>
             <a:endParaRPr lang="pt-PT" dirty="0"/>
           </a:p>
@@ -23058,7 +23058,7 @@
           <a:p>
             <a:fld id="{2628DE58-6B27-487D-A370-092A65FAF62A}" type="datetimeFigureOut">
               <a:rPr lang="pt-PT" smtClean="0"/>
-              <a:t>21/04/2022</a:t>
+              <a:t>22/04/2022</a:t>
             </a:fld>
             <a:endParaRPr lang="pt-PT" dirty="0"/>
           </a:p>
@@ -23200,7 +23200,7 @@
           <a:p>
             <a:fld id="{2628DE58-6B27-487D-A370-092A65FAF62A}" type="datetimeFigureOut">
               <a:rPr lang="pt-PT" smtClean="0"/>
-              <a:t>21/04/2022</a:t>
+              <a:t>22/04/2022</a:t>
             </a:fld>
             <a:endParaRPr lang="pt-PT" dirty="0"/>
           </a:p>
@@ -23313,7 +23313,7 @@
           <a:p>
             <a:fld id="{2628DE58-6B27-487D-A370-092A65FAF62A}" type="datetimeFigureOut">
               <a:rPr lang="pt-PT" smtClean="0"/>
-              <a:t>21/04/2022</a:t>
+              <a:t>22/04/2022</a:t>
             </a:fld>
             <a:endParaRPr lang="pt-PT" dirty="0"/>
           </a:p>
@@ -23626,7 +23626,7 @@
           <a:p>
             <a:fld id="{2628DE58-6B27-487D-A370-092A65FAF62A}" type="datetimeFigureOut">
               <a:rPr lang="pt-PT" smtClean="0"/>
-              <a:t>21/04/2022</a:t>
+              <a:t>22/04/2022</a:t>
             </a:fld>
             <a:endParaRPr lang="pt-PT" dirty="0"/>
           </a:p>
@@ -23915,7 +23915,7 @@
           <a:p>
             <a:fld id="{2628DE58-6B27-487D-A370-092A65FAF62A}" type="datetimeFigureOut">
               <a:rPr lang="pt-PT" smtClean="0"/>
-              <a:t>21/04/2022</a:t>
+              <a:t>22/04/2022</a:t>
             </a:fld>
             <a:endParaRPr lang="pt-PT" dirty="0"/>
           </a:p>
@@ -24158,7 +24158,7 @@
           <a:p>
             <a:fld id="{2628DE58-6B27-487D-A370-092A65FAF62A}" type="datetimeFigureOut">
               <a:rPr lang="pt-PT" smtClean="0"/>
-              <a:t>21/04/2022</a:t>
+              <a:t>22/04/2022</a:t>
             </a:fld>
             <a:endParaRPr lang="pt-PT" dirty="0"/>
           </a:p>
@@ -25662,7 +25662,12 @@
             <p:ph type="title"/>
           </p:nvPr>
         </p:nvSpPr>
-        <p:spPr/>
+        <p:spPr>
+          <a:xfrm>
+            <a:off x="838199" y="262576"/>
+            <a:ext cx="10515600" cy="1325563"/>
+          </a:xfrm>
+        </p:spPr>
         <p:txBody>
           <a:bodyPr/>
           <a:lstStyle/>
@@ -25674,48 +25679,73 @@
           </a:p>
         </p:txBody>
       </p:sp>
-      <p:sp>
-        <p:nvSpPr>
-          <p:cNvPr id="3" name="Content Placeholder 2">
+      <p:pic>
+        <p:nvPicPr>
+          <p:cNvPr id="5" name="Content Placeholder 4" descr="Chart, line chart&#10;&#10;Description automatically generated">
             <a:extLst>
               <a:ext uri="{FF2B5EF4-FFF2-40B4-BE49-F238E27FC236}">
-                <a16:creationId xmlns:a16="http://schemas.microsoft.com/office/drawing/2014/main" id="{2BFA62F2-A074-4C07-ABCA-4B2A32FC65EB}"/>
+                <a16:creationId xmlns:a16="http://schemas.microsoft.com/office/drawing/2014/main" id="{B94B3493-D278-4904-9818-65542E264BF4}"/>
               </a:ext>
             </a:extLst>
           </p:cNvPr>
-          <p:cNvSpPr>
-            <a:spLocks noGrp="1"/>
-          </p:cNvSpPr>
+          <p:cNvPicPr>
+            <a:picLocks noGrp="1" noChangeAspect="1"/>
+          </p:cNvPicPr>
           <p:nvPr>
             <p:ph idx="1"/>
           </p:nvPr>
+        </p:nvPicPr>
+        <p:blipFill>
+          <a:blip r:embed="rId2">
+            <a:extLst>
+              <a:ext uri="{28A0092B-C50C-407E-A947-70E740481C1C}">
+                <a14:useLocalDpi xmlns:a14="http://schemas.microsoft.com/office/drawing/2010/main" val="0"/>
+              </a:ext>
+            </a:extLst>
+          </a:blip>
+          <a:stretch>
+            <a:fillRect/>
+          </a:stretch>
+        </p:blipFill>
+        <p:spPr>
+          <a:xfrm>
+            <a:off x="1459407" y="1372150"/>
+            <a:ext cx="9273185" cy="4284618"/>
+          </a:xfrm>
+        </p:spPr>
+      </p:pic>
+      <p:sp>
+        <p:nvSpPr>
+          <p:cNvPr id="6" name="TextBox 5">
+            <a:extLst>
+              <a:ext uri="{FF2B5EF4-FFF2-40B4-BE49-F238E27FC236}">
+                <a16:creationId xmlns:a16="http://schemas.microsoft.com/office/drawing/2014/main" id="{1D38443D-D65F-43A2-9904-E2DBEB3D6F93}"/>
+              </a:ext>
+            </a:extLst>
+          </p:cNvPr>
+          <p:cNvSpPr txBox="1"/>
+          <p:nvPr/>
         </p:nvSpPr>
-        <p:spPr/>
+        <p:spPr>
+          <a:xfrm>
+            <a:off x="1051133" y="5964964"/>
+            <a:ext cx="8861988" cy="369332"/>
+          </a:xfrm>
+          <a:prstGeom prst="rect">
+            <a:avLst/>
+          </a:prstGeom>
+          <a:noFill/>
+        </p:spPr>
         <p:txBody>
-          <a:bodyPr/>
+          <a:bodyPr wrap="square" rtlCol="0">
+            <a:spAutoFit/>
+          </a:bodyPr>
           <a:lstStyle/>
           <a:p>
             <a:r>
-              <a:rPr lang="pt-PT" dirty="0" err="1"/>
-              <a:t>Very</a:t>
+              <a:rPr lang="pt-PT" dirty="0"/>
+              <a:t>Apesar de a complexidade temporal ser n * log(n) , o resultado da análise empírica é linear.</a:t>
             </a:r>
-            <a:r>
-              <a:rPr lang="pt-PT" dirty="0"/>
-              <a:t> fast, </a:t>
-            </a:r>
-            <a:r>
-              <a:rPr lang="pt-PT" dirty="0" err="1"/>
-              <a:t>very</a:t>
-            </a:r>
-            <a:r>
-              <a:rPr lang="pt-PT" dirty="0"/>
-              <a:t> </a:t>
-            </a:r>
-            <a:r>
-              <a:rPr lang="pt-PT" dirty="0" err="1"/>
-              <a:t>good</a:t>
-            </a:r>
-            <a:endParaRPr lang="pt-PT" dirty="0"/>
           </a:p>
         </p:txBody>
       </p:sp>

--- a/Apresentacao.pptx
+++ b/Apresentacao.pptx
@@ -7088,7 +7088,7 @@
       <dgm:spPr/>
     </dgm:pt>
     <dgm:pt modelId="{C9CD5539-0EA3-4FB2-AF8B-BED82A87C670}" type="pres">
-      <dgm:prSet presAssocID="{44193E8D-C61C-44CF-9C8A-6F6E27C8848C}" presName="ThreeNodes_3" presStyleLbl="node1" presStyleIdx="2" presStyleCnt="3" custScaleX="116699" custLinFactNeighborX="-11919" custLinFactNeighborY="432">
+      <dgm:prSet presAssocID="{44193E8D-C61C-44CF-9C8A-6F6E27C8848C}" presName="ThreeNodes_3" presStyleLbl="node1" presStyleIdx="2" presStyleCnt="3" custScaleX="117647" custScaleY="105936" custLinFactNeighborX="-11919" custLinFactNeighborY="432">
         <dgm:presLayoutVars>
           <dgm:bulletEnabled val="1"/>
         </dgm:presLayoutVars>
@@ -9593,7 +9593,7 @@
       </dsp:nvSpPr>
       <dsp:spPr>
         <a:xfrm>
-          <a:off x="-294569" y="-61286"/>
+          <a:off x="-310343" y="-86061"/>
           <a:ext cx="6722637" cy="1914617"/>
         </a:xfrm>
         <a:prstGeom prst="roundRect">
@@ -9659,7 +9659,7 @@
         </a:p>
       </dsp:txBody>
       <dsp:txXfrm>
-        <a:off x="-238492" y="-5209"/>
+        <a:off x="-254266" y="-29984"/>
         <a:ext cx="4889681" cy="1802463"/>
       </dsp:txXfrm>
     </dsp:sp>
@@ -9670,7 +9670,7 @@
       </dsp:nvSpPr>
       <dsp:spPr>
         <a:xfrm>
-          <a:off x="187546" y="2018820"/>
+          <a:off x="171771" y="1994045"/>
           <a:ext cx="6655812" cy="1669472"/>
         </a:xfrm>
         <a:prstGeom prst="roundRect">
@@ -9736,7 +9736,7 @@
         </a:p>
       </dsp:txBody>
       <dsp:txXfrm>
-        <a:off x="236443" y="2067717"/>
+        <a:off x="220668" y="2042942"/>
         <a:ext cx="4885584" cy="1571678"/>
       </dsp:txXfrm>
     </dsp:sp>
@@ -9747,8 +9747,8 @@
       </dsp:nvSpPr>
       <dsp:spPr>
         <a:xfrm>
-          <a:off x="0" y="3956721"/>
-          <a:ext cx="7767266" cy="1669472"/>
+          <a:off x="0" y="3882397"/>
+          <a:ext cx="7830364" cy="1768572"/>
         </a:xfrm>
         <a:prstGeom prst="roundRect">
           <a:avLst>
@@ -9820,8 +9820,8 @@
         </a:p>
       </dsp:txBody>
       <dsp:txXfrm>
-        <a:off x="48897" y="4005618"/>
-        <a:ext cx="5717758" cy="1571678"/>
+        <a:off x="51800" y="3934197"/>
+        <a:ext cx="5759194" cy="1664972"/>
       </dsp:txXfrm>
     </dsp:sp>
     <dsp:sp modelId="{81F0610E-3677-4EC0-8DAB-B4AB9F16FD80}">
@@ -9831,7 +9831,7 @@
       </dsp:nvSpPr>
       <dsp:spPr>
         <a:xfrm>
-          <a:off x="5309498" y="1327302"/>
+          <a:off x="5293724" y="1302527"/>
           <a:ext cx="1085157" cy="1085157"/>
         </a:xfrm>
         <a:prstGeom prst="downArrow">
@@ -9900,7 +9900,7 @@
         </a:p>
       </dsp:txBody>
       <dsp:txXfrm>
-        <a:off x="5553658" y="1327302"/>
+        <a:off x="5537884" y="1302527"/>
         <a:ext cx="596837" cy="816581"/>
       </dsp:txXfrm>
     </dsp:sp>
@@ -9911,7 +9911,7 @@
       </dsp:nvSpPr>
       <dsp:spPr>
         <a:xfrm>
-          <a:off x="5896775" y="3263890"/>
+          <a:off x="5881001" y="3239115"/>
           <a:ext cx="1085157" cy="1085157"/>
         </a:xfrm>
         <a:prstGeom prst="downArrow">
@@ -9980,7 +9980,7 @@
         </a:p>
       </dsp:txBody>
       <dsp:txXfrm>
-        <a:off x="6140935" y="3263890"/>
+        <a:off x="6125161" y="3239115"/>
         <a:ext cx="596837" cy="816581"/>
       </dsp:txXfrm>
     </dsp:sp>
@@ -24926,9 +24926,26 @@
           <a:p>
             <a:pPr algn="ctr"/>
             <a:r>
-              <a:rPr lang="en-US" sz="5400"/>
-              <a:t>Cenário 2: Avaliação empírica</a:t>
+              <a:rPr lang="en-US" sz="5400" dirty="0" err="1"/>
+              <a:t>Cenário</a:t>
             </a:r>
+            <a:r>
+              <a:rPr lang="en-US" sz="5400" dirty="0"/>
+              <a:t> 2: </a:t>
+            </a:r>
+            <a:r>
+              <a:rPr lang="en-US" sz="5400" dirty="0" err="1"/>
+              <a:t>Avaliação</a:t>
+            </a:r>
+            <a:r>
+              <a:rPr lang="en-US" sz="5400" dirty="0"/>
+              <a:t> </a:t>
+            </a:r>
+            <a:r>
+              <a:rPr lang="en-US" sz="5400" dirty="0" err="1"/>
+              <a:t>empírica</a:t>
+            </a:r>
+            <a:endParaRPr lang="en-US" sz="5400" dirty="0"/>
           </a:p>
         </p:txBody>
       </p:sp>
@@ -25681,10 +25698,10 @@
       </p:sp>
       <p:pic>
         <p:nvPicPr>
-          <p:cNvPr id="5" name="Content Placeholder 4" descr="Chart, line chart&#10;&#10;Description automatically generated">
+          <p:cNvPr id="8" name="Content Placeholder 7" descr="Chart, line chart, scatter chart&#10;&#10;Description automatically generated">
             <a:extLst>
               <a:ext uri="{FF2B5EF4-FFF2-40B4-BE49-F238E27FC236}">
-                <a16:creationId xmlns:a16="http://schemas.microsoft.com/office/drawing/2014/main" id="{B94B3493-D278-4904-9818-65542E264BF4}"/>
+                <a16:creationId xmlns:a16="http://schemas.microsoft.com/office/drawing/2014/main" id="{B0F2ADE7-87D4-4F84-B612-AC5221FB188F}"/>
               </a:ext>
             </a:extLst>
           </p:cNvPr>
@@ -25709,46 +25726,11 @@
         </p:blipFill>
         <p:spPr>
           <a:xfrm>
-            <a:off x="1459407" y="1372150"/>
-            <a:ext cx="9273185" cy="4284618"/>
+            <a:off x="1490564" y="1326859"/>
+            <a:ext cx="9210872" cy="5185437"/>
           </a:xfrm>
         </p:spPr>
       </p:pic>
-      <p:sp>
-        <p:nvSpPr>
-          <p:cNvPr id="6" name="TextBox 5">
-            <a:extLst>
-              <a:ext uri="{FF2B5EF4-FFF2-40B4-BE49-F238E27FC236}">
-                <a16:creationId xmlns:a16="http://schemas.microsoft.com/office/drawing/2014/main" id="{1D38443D-D65F-43A2-9904-E2DBEB3D6F93}"/>
-              </a:ext>
-            </a:extLst>
-          </p:cNvPr>
-          <p:cNvSpPr txBox="1"/>
-          <p:nvPr/>
-        </p:nvSpPr>
-        <p:spPr>
-          <a:xfrm>
-            <a:off x="1051133" y="5964964"/>
-            <a:ext cx="8861988" cy="369332"/>
-          </a:xfrm>
-          <a:prstGeom prst="rect">
-            <a:avLst/>
-          </a:prstGeom>
-          <a:noFill/>
-        </p:spPr>
-        <p:txBody>
-          <a:bodyPr wrap="square" rtlCol="0">
-            <a:spAutoFit/>
-          </a:bodyPr>
-          <a:lstStyle/>
-          <a:p>
-            <a:r>
-              <a:rPr lang="pt-PT" dirty="0"/>
-              <a:t>Apesar de a complexidade temporal ser n * log(n) , o resultado da análise empírica é linear.</a:t>
-            </a:r>
-          </a:p>
-        </p:txBody>
-      </p:sp>
     </p:spTree>
     <p:extLst>
       <p:ext uri="{BB962C8B-B14F-4D97-AF65-F5344CB8AC3E}">
@@ -26861,6 +26843,12 @@
               <a:rPr lang="pt-PT" sz="2400" dirty="0"/>
               <a:t> Cavaleiro: 33%</a:t>
             </a:r>
+          </a:p>
+          <a:p>
+            <a:pPr marL="0" indent="0">
+              <a:buNone/>
+            </a:pPr>
+            <a:endParaRPr lang="pt-PT" sz="2400" dirty="0"/>
           </a:p>
           <a:p>
             <a:pPr lvl="1">
@@ -29296,7 +29284,7 @@
             <p:ph idx="1"/>
             <p:extLst>
               <p:ext uri="{D42A27DB-BD31-4B8C-83A1-F6EECF244321}">
-                <p14:modId xmlns:p14="http://schemas.microsoft.com/office/powerpoint/2010/main" val="55413538"/>
+                <p14:modId xmlns:p14="http://schemas.microsoft.com/office/powerpoint/2010/main" val="3771763155"/>
               </p:ext>
             </p:extLst>
           </p:nvPr>
@@ -29445,8 +29433,8 @@
         </p:nvSpPr>
         <p:spPr>
           <a:xfrm>
-            <a:off x="2255740" y="5246716"/>
-            <a:ext cx="7322369" cy="1754326"/>
+            <a:off x="2179782" y="5087259"/>
+            <a:ext cx="7756478" cy="2031325"/>
           </a:xfrm>
           <a:prstGeom prst="rect">
             <a:avLst/>
@@ -29503,7 +29491,16 @@
                 <a:ea typeface="+mn-ea"/>
                 <a:cs typeface="+mn-cs"/>
               </a:rPr>
-              <a:t> usada no cenário 1 que vai encher o máximo possível cada estafeta, pelo que, o resultado será a maior receita possível (visto que as encomendas “melhores” têm prioridade) com a menor despesa (os estafetas mais rentáveis têm maior prioridade).</a:t>
+              <a:t> usada no cenário 1 que vai encher o máximo possível cada estafeta, pelo que, o resultado será a maior receita possível (visto que as encomendas “melhores” têm prioridade) com a menor despesa (os estafetas mais rentáveis têm maior prioridade). </a:t>
+            </a:r>
+            <a:r>
+              <a:rPr lang="pt-BR" dirty="0">
+                <a:solidFill>
+                  <a:prstClr val="white"/>
+                </a:solidFill>
+                <a:latin typeface="Calibri" panose="020F0502020204030204"/>
+              </a:rPr>
+              <a:t>Ao longo das iterações é guardado o lucro máximo obtido e é esse o lucro que é retornado.</a:t>
             </a:r>
             <a:endParaRPr lang="en-US" sz="1800" kern="1200" dirty="0">
               <a:solidFill>
@@ -29725,7 +29722,15 @@
             </a:pPr>
             <a:r>
               <a:rPr lang="pt-PT" dirty="0"/>
-              <a:t> Complexidade temporal: 2 * (n * log(n)) + m * </a:t>
+              <a:t> Complexidade temporal: 2 * (n * log(n</a:t>
+            </a:r>
+            <a:r>
+              <a:rPr lang="pt-PT"/>
+              <a:t>)) + m * n + </a:t>
+            </a:r>
+            <a:r>
+              <a:rPr lang="pt-PT" dirty="0"/>
+              <a:t>m * </a:t>
             </a:r>
             <a:r>
               <a:rPr lang="pt-PT" i="1" dirty="0" err="1"/>
@@ -29743,7 +29748,7 @@
             </a:pPr>
             <a:r>
               <a:rPr lang="pt-PT" dirty="0"/>
-              <a:t> Complexidade espacial: </a:t>
+              <a:t> Complexidade espacial: n + </a:t>
             </a:r>
             <a:r>
               <a:rPr lang="pt-PT" i="1" dirty="0" err="1"/>
